--- a/ppt/2020/liunxFQA.pptx
+++ b/ppt/2020/liunxFQA.pptx
@@ -5,10 +5,10 @@
     <p:sldMasterId id="2147483648" r:id="rId1"/>
   </p:sldMasterIdLst>
   <p:notesMasterIdLst>
-    <p:notesMasterId r:id="rId7"/>
+    <p:notesMasterId r:id="rId10"/>
   </p:notesMasterIdLst>
   <p:handoutMasterIdLst>
-    <p:handoutMasterId r:id="rId8"/>
+    <p:handoutMasterId r:id="rId11"/>
   </p:handoutMasterIdLst>
   <p:sldIdLst>
     <p:sldId id="2840" r:id="rId2"/>
@@ -16,11 +16,14 @@
     <p:sldId id="2857" r:id="rId4"/>
     <p:sldId id="2865" r:id="rId5"/>
     <p:sldId id="2866" r:id="rId6"/>
+    <p:sldId id="2867" r:id="rId7"/>
+    <p:sldId id="2868" r:id="rId8"/>
+    <p:sldId id="2869" r:id="rId9"/>
   </p:sldIdLst>
   <p:sldSz cx="12858750" cy="7232650"/>
   <p:notesSz cx="6858000" cy="9144000"/>
   <p:custDataLst>
-    <p:tags r:id="rId9"/>
+    <p:tags r:id="rId12"/>
   </p:custDataLst>
   <p:defaultTextStyle>
     <a:defPPr>
@@ -233,7 +236,7 @@
             <a:fld id="{E9630DBF-D010-4114-9DE3-41E342A27C18}" type="datetimeFigureOut">
               <a:rPr lang="zh-CN" altLang="en-US" smtClean="0"/>
               <a:pPr/>
-              <a:t>2020/2/12</a:t>
+              <a:t>2020/3/24</a:t>
             </a:fld>
             <a:endParaRPr lang="zh-CN" altLang="en-US"/>
           </a:p>
@@ -309,7 +312,7 @@
     </p:spTree>
     <p:extLst>
       <p:ext uri="{BB962C8B-B14F-4D97-AF65-F5344CB8AC3E}">
-        <p14:creationId xmlns:p14="http://schemas.microsoft.com/office/powerpoint/2010/main" val="990528075"/>
+        <p14:creationId xmlns:p14="http://schemas.microsoft.com/office/powerpoint/2010/main" xmlns="" val="990528075"/>
       </p:ext>
     </p:extLst>
   </p:cSld>
@@ -408,7 +411,7 @@
               <a:pPr>
                 <a:defRPr/>
               </a:pPr>
-              <a:t>2020/2/12</a:t>
+              <a:t>2020/3/24</a:t>
             </a:fld>
             <a:endParaRPr lang="zh-CN" altLang="en-US"/>
           </a:p>
@@ -580,7 +583,7 @@
     </p:spTree>
     <p:extLst>
       <p:ext uri="{BB962C8B-B14F-4D97-AF65-F5344CB8AC3E}">
-        <p14:creationId xmlns:p14="http://schemas.microsoft.com/office/powerpoint/2010/main" val="1808926631"/>
+        <p14:creationId xmlns:p14="http://schemas.microsoft.com/office/powerpoint/2010/main" xmlns="" val="1808926631"/>
       </p:ext>
     </p:extLst>
   </p:cSld>
@@ -1072,6 +1075,309 @@
 </p:notes>
 </file>
 
+<file path=ppt/notesSlides/notesSlide5.xml><?xml version="1.0" encoding="utf-8"?>
+<p:notes xmlns:a="http://schemas.openxmlformats.org/drawingml/2006/main" xmlns:r="http://schemas.openxmlformats.org/officeDocument/2006/relationships" xmlns:p="http://schemas.openxmlformats.org/presentationml/2006/main">
+  <p:cSld>
+    <p:spTree>
+      <p:nvGrpSpPr>
+        <p:cNvPr id="1" name=""/>
+        <p:cNvGrpSpPr/>
+        <p:nvPr/>
+      </p:nvGrpSpPr>
+      <p:grpSpPr>
+        <a:xfrm>
+          <a:off x="0" y="0"/>
+          <a:ext cx="0" cy="0"/>
+          <a:chOff x="0" y="0"/>
+          <a:chExt cx="0" cy="0"/>
+        </a:xfrm>
+      </p:grpSpPr>
+      <p:sp>
+        <p:nvSpPr>
+          <p:cNvPr id="2" name="幻灯片图像占位符 1"/>
+          <p:cNvSpPr>
+            <a:spLocks noGrp="1" noRot="1" noChangeAspect="1"/>
+          </p:cNvSpPr>
+          <p:nvPr>
+            <p:ph type="sldImg"/>
+          </p:nvPr>
+        </p:nvSpPr>
+        <p:spPr/>
+      </p:sp>
+      <p:sp>
+        <p:nvSpPr>
+          <p:cNvPr id="3" name="备注占位符 2"/>
+          <p:cNvSpPr>
+            <a:spLocks noGrp="1"/>
+          </p:cNvSpPr>
+          <p:nvPr>
+            <p:ph type="body" idx="1"/>
+          </p:nvPr>
+        </p:nvSpPr>
+        <p:spPr/>
+        <p:txBody>
+          <a:bodyPr>
+            <a:normAutofit/>
+          </a:bodyPr>
+          <a:lstStyle/>
+          <a:p>
+            <a:r>
+              <a:rPr lang="en-US" dirty="0" smtClean="0">
+                <a:hlinkClick r:id="rId3"/>
+              </a:rPr>
+              <a:t>http://zy.swust.net.cn/02/2/czxt/chapter2/section2/semaphone.htm</a:t>
+            </a:r>
+            <a:endParaRPr lang="en-US" dirty="0" smtClean="0">
+              <a:hlinkClick r:id="rId4"/>
+            </a:endParaRPr>
+          </a:p>
+          <a:p>
+            <a:r>
+              <a:rPr lang="en-US" dirty="0" smtClean="0">
+                <a:hlinkClick r:id="rId4"/>
+              </a:rPr>
+              <a:t>https://blog.nowcoder.net/n/dcd0f5364a2c4fe8a09655c821d87849</a:t>
+            </a:r>
+            <a:endParaRPr lang="en-US" dirty="0" smtClean="0"/>
+          </a:p>
+          <a:p>
+            <a:r>
+              <a:rPr lang="en-US" dirty="0" smtClean="0">
+                <a:hlinkClick r:id="rId5"/>
+              </a:rPr>
+              <a:t>https://docs.huihoo.com/os/process/semaphore.htm</a:t>
+            </a:r>
+            <a:endParaRPr lang="zh-CN" altLang="en-US" dirty="0"/>
+          </a:p>
+        </p:txBody>
+      </p:sp>
+      <p:sp>
+        <p:nvSpPr>
+          <p:cNvPr id="4" name="灯片编号占位符 3"/>
+          <p:cNvSpPr>
+            <a:spLocks noGrp="1"/>
+          </p:cNvSpPr>
+          <p:nvPr>
+            <p:ph type="sldNum" sz="quarter" idx="10"/>
+          </p:nvPr>
+        </p:nvSpPr>
+        <p:spPr/>
+        <p:txBody>
+          <a:bodyPr/>
+          <a:lstStyle/>
+          <a:p>
+            <a:fld id="{418F03C3-53C1-4F10-8DAF-D1F318E96C6E}" type="slidenum">
+              <a:rPr lang="zh-CN" altLang="en-US" smtClean="0"/>
+              <a:pPr/>
+              <a:t>6</a:t>
+            </a:fld>
+            <a:endParaRPr lang="zh-CN" altLang="en-US"/>
+          </a:p>
+        </p:txBody>
+      </p:sp>
+    </p:spTree>
+  </p:cSld>
+  <p:clrMapOvr>
+    <a:masterClrMapping/>
+  </p:clrMapOvr>
+</p:notes>
+</file>
+
+<file path=ppt/notesSlides/notesSlide6.xml><?xml version="1.0" encoding="utf-8"?>
+<p:notes xmlns:a="http://schemas.openxmlformats.org/drawingml/2006/main" xmlns:r="http://schemas.openxmlformats.org/officeDocument/2006/relationships" xmlns:p="http://schemas.openxmlformats.org/presentationml/2006/main">
+  <p:cSld>
+    <p:spTree>
+      <p:nvGrpSpPr>
+        <p:cNvPr id="1" name=""/>
+        <p:cNvGrpSpPr/>
+        <p:nvPr/>
+      </p:nvGrpSpPr>
+      <p:grpSpPr>
+        <a:xfrm>
+          <a:off x="0" y="0"/>
+          <a:ext cx="0" cy="0"/>
+          <a:chOff x="0" y="0"/>
+          <a:chExt cx="0" cy="0"/>
+        </a:xfrm>
+      </p:grpSpPr>
+      <p:sp>
+        <p:nvSpPr>
+          <p:cNvPr id="2" name="幻灯片图像占位符 1"/>
+          <p:cNvSpPr>
+            <a:spLocks noGrp="1" noRot="1" noChangeAspect="1"/>
+          </p:cNvSpPr>
+          <p:nvPr>
+            <p:ph type="sldImg"/>
+          </p:nvPr>
+        </p:nvSpPr>
+        <p:spPr/>
+      </p:sp>
+      <p:sp>
+        <p:nvSpPr>
+          <p:cNvPr id="3" name="备注占位符 2"/>
+          <p:cNvSpPr>
+            <a:spLocks noGrp="1"/>
+          </p:cNvSpPr>
+          <p:nvPr>
+            <p:ph type="body" idx="1"/>
+          </p:nvPr>
+        </p:nvSpPr>
+        <p:spPr/>
+        <p:txBody>
+          <a:bodyPr>
+            <a:normAutofit/>
+          </a:bodyPr>
+          <a:lstStyle/>
+          <a:p>
+            <a:r>
+              <a:rPr lang="en-US" dirty="0" smtClean="0">
+                <a:hlinkClick r:id="rId3"/>
+              </a:rPr>
+              <a:t>https://github.com/DGuco/shmqueue</a:t>
+            </a:r>
+            <a:endParaRPr lang="en-US" dirty="0" smtClean="0"/>
+          </a:p>
+          <a:p>
+            <a:endParaRPr lang="en-US" altLang="zh-CN" dirty="0" smtClean="0"/>
+          </a:p>
+          <a:p>
+            <a:r>
+              <a:rPr lang="en-US" dirty="0" smtClean="0">
+                <a:hlinkClick r:id="rId4"/>
+              </a:rPr>
+              <a:t>https://segmentfault.com/a/1190000021735193</a:t>
+            </a:r>
+            <a:r>
+              <a:rPr lang="en-US" dirty="0" smtClean="0"/>
+              <a:t> </a:t>
+            </a:r>
+            <a:r>
+              <a:rPr lang="zh-CN" altLang="en-US" dirty="0" smtClean="0"/>
+              <a:t>读写锁</a:t>
+            </a:r>
+            <a:r>
+              <a:rPr lang="zh-CN" altLang="en-US" baseline="0" dirty="0" smtClean="0"/>
+              <a:t> 多读</a:t>
+            </a:r>
+            <a:r>
+              <a:rPr lang="en-US" altLang="zh-CN" baseline="0" dirty="0" smtClean="0"/>
+              <a:t>1</a:t>
+            </a:r>
+            <a:r>
+              <a:rPr lang="zh-CN" altLang="en-US" baseline="0" dirty="0" smtClean="0"/>
+              <a:t>写 ，加锁和解锁都是通 抢占锁来修改数据， 用另外一个锁同步</a:t>
+            </a:r>
+            <a:endParaRPr lang="en-US" altLang="zh-CN" baseline="0" dirty="0" smtClean="0"/>
+          </a:p>
+          <a:p>
+            <a:r>
+              <a:rPr lang="en-US" dirty="0" smtClean="0">
+                <a:hlinkClick r:id="rId5"/>
+              </a:rPr>
+              <a:t>https://segmentfault.com/a/1190000012185545</a:t>
+            </a:r>
+            <a:endParaRPr lang="en-US" dirty="0" smtClean="0"/>
+          </a:p>
+          <a:p>
+            <a:endParaRPr lang="en-US" altLang="zh-CN" dirty="0" smtClean="0"/>
+          </a:p>
+          <a:p>
+            <a:r>
+              <a:rPr lang="en-US" altLang="zh-CN" dirty="0" smtClean="0"/>
+              <a:t>1</a:t>
+            </a:r>
+            <a:r>
+              <a:rPr lang="zh-CN" altLang="en-US" dirty="0" smtClean="0"/>
+              <a:t>解决方式：</a:t>
+            </a:r>
+            <a:r>
+              <a:rPr lang="en-US" altLang="zh-CN" dirty="0" smtClean="0"/>
+              <a:t>boost </a:t>
+            </a:r>
+            <a:r>
+              <a:rPr lang="en-US" altLang="zh-CN" dirty="0" err="1" smtClean="0"/>
+              <a:t>c++</a:t>
+            </a:r>
+            <a:endParaRPr lang="en-US" altLang="zh-CN" dirty="0" smtClean="0"/>
+          </a:p>
+          <a:p>
+            <a:r>
+              <a:rPr lang="en-US" altLang="zh-CN" dirty="0" smtClean="0"/>
+              <a:t>2 </a:t>
+            </a:r>
+            <a:r>
+              <a:rPr lang="zh-CN" altLang="en-US" dirty="0" smtClean="0"/>
+              <a:t>缺点是什么</a:t>
+            </a:r>
+            <a:endParaRPr lang="en-US" altLang="zh-CN" dirty="0" smtClean="0"/>
+          </a:p>
+          <a:p>
+            <a:r>
+              <a:rPr lang="en-US" altLang="zh-CN" dirty="0" smtClean="0"/>
+              <a:t>3</a:t>
+            </a:r>
+            <a:r>
+              <a:rPr lang="en-US" altLang="zh-CN" baseline="0" dirty="0" smtClean="0"/>
+              <a:t> </a:t>
+            </a:r>
+            <a:r>
+              <a:rPr lang="zh-CN" altLang="en-US" baseline="0" dirty="0" smtClean="0"/>
+              <a:t>避免</a:t>
+            </a:r>
+            <a:endParaRPr lang="en-US" altLang="zh-CN" dirty="0" smtClean="0"/>
+          </a:p>
+          <a:p>
+            <a:r>
+              <a:rPr lang="en-US" dirty="0" smtClean="0">
+                <a:hlinkClick r:id="rId6"/>
+              </a:rPr>
+              <a:t>http://zh.highscore.de/cpp/boost/</a:t>
+            </a:r>
+            <a:endParaRPr lang="en-US" dirty="0" smtClean="0"/>
+          </a:p>
+          <a:p>
+            <a:r>
+              <a:rPr lang="en-US" dirty="0" smtClean="0">
+                <a:hlinkClick r:id="rId7"/>
+              </a:rPr>
+              <a:t>https://theboostcpplibraries.com/boost.interprocess</a:t>
+            </a:r>
+            <a:endParaRPr lang="zh-CN" altLang="en-US" dirty="0"/>
+          </a:p>
+        </p:txBody>
+      </p:sp>
+      <p:sp>
+        <p:nvSpPr>
+          <p:cNvPr id="4" name="灯片编号占位符 3"/>
+          <p:cNvSpPr>
+            <a:spLocks noGrp="1"/>
+          </p:cNvSpPr>
+          <p:nvPr>
+            <p:ph type="sldNum" sz="quarter" idx="10"/>
+          </p:nvPr>
+        </p:nvSpPr>
+        <p:spPr/>
+        <p:txBody>
+          <a:bodyPr/>
+          <a:lstStyle/>
+          <a:p>
+            <a:fld id="{418F03C3-53C1-4F10-8DAF-D1F318E96C6E}" type="slidenum">
+              <a:rPr lang="zh-CN" altLang="en-US" smtClean="0"/>
+              <a:pPr/>
+              <a:t>7</a:t>
+            </a:fld>
+            <a:endParaRPr lang="zh-CN" altLang="en-US"/>
+          </a:p>
+        </p:txBody>
+      </p:sp>
+    </p:spTree>
+  </p:cSld>
+  <p:clrMapOvr>
+    <a:masterClrMapping/>
+  </p:clrMapOvr>
+</p:notes>
+</file>
+
 <file path=ppt/slideLayouts/slideLayout1.xml><?xml version="1.0" encoding="utf-8"?>
 <p:sldLayout xmlns:a="http://schemas.openxmlformats.org/drawingml/2006/main" xmlns:r="http://schemas.openxmlformats.org/officeDocument/2006/relationships" xmlns:p="http://schemas.openxmlformats.org/presentationml/2006/main" type="blank" preserve="1">
   <p:cSld name="空白">
@@ -1107,7 +1413,7 @@
             <a:fld id="{32BF82D2-7A68-459D-A996-9BDDA2518FA4}" type="datetimeFigureOut">
               <a:rPr lang="zh-CN" altLang="en-US" smtClean="0"/>
               <a:pPr/>
-              <a:t>2020/2/12</a:t>
+              <a:t>2020/3/24</a:t>
             </a:fld>
             <a:endParaRPr lang="zh-CN" altLang="en-US"/>
           </a:p>
@@ -1229,7 +1535,7 @@
             <a:fld id="{32BF82D2-7A68-459D-A996-9BDDA2518FA4}" type="datetimeFigureOut">
               <a:rPr lang="zh-CN" altLang="en-US" smtClean="0"/>
               <a:pPr/>
-              <a:t>2020/2/12</a:t>
+              <a:t>2020/3/24</a:t>
             </a:fld>
             <a:endParaRPr lang="zh-CN" altLang="en-US"/>
           </a:p>
@@ -2012,7 +2318,7 @@
             <a:fld id="{32BF82D2-7A68-459D-A996-9BDDA2518FA4}" type="datetimeFigureOut">
               <a:rPr lang="zh-CN" altLang="en-US" smtClean="0"/>
               <a:pPr/>
-              <a:t>2020/2/12</a:t>
+              <a:t>2020/3/24</a:t>
             </a:fld>
             <a:endParaRPr lang="zh-CN" altLang="en-US"/>
           </a:p>
@@ -3598,7 +3904,7 @@
     <a:masterClrMapping/>
   </p:clrMapOvr>
   <mc:AlternateContent xmlns:mc="http://schemas.openxmlformats.org/markup-compatibility/2006">
-    <mc:Choice xmlns:p15="http://schemas.microsoft.com/office/powerpoint/2012/main" xmlns="" Requires="p15">
+    <mc:Choice xmlns="" xmlns:p15="http://schemas.microsoft.com/office/powerpoint/2012/main" Requires="p15">
       <p:transition xmlns:p14="http://schemas.microsoft.com/office/powerpoint/2010/main" spd="slow" Requires="p14" p14:dur="1250" advTm="4000">
         <p15:prstTrans prst="airplane"/>
       </p:transition>
@@ -4336,14 +4642,14 @@
           </a:ln>
           <a:extLst>
             <a:ext uri="{909E8E84-426E-40DD-AFC4-6F175D3DCCD1}">
-              <a14:hiddenFill xmlns:a14="http://schemas.microsoft.com/office/drawing/2010/main">
+              <a14:hiddenFill xmlns:a14="http://schemas.microsoft.com/office/drawing/2010/main" xmlns="">
                 <a:solidFill>
                   <a:srgbClr val="FFFFFF"/>
                 </a:solidFill>
               </a14:hiddenFill>
             </a:ext>
             <a:ext uri="{91240B29-F687-4F45-9708-019B960494DF}">
-              <a14:hiddenLine xmlns:a14="http://schemas.microsoft.com/office/drawing/2010/main" w="9525">
+              <a14:hiddenLine xmlns:a14="http://schemas.microsoft.com/office/drawing/2010/main" xmlns="" w="9525">
                 <a:solidFill>
                   <a:srgbClr val="000000"/>
                 </a:solidFill>
@@ -4560,14 +4866,14 @@
           </a:ln>
           <a:extLst>
             <a:ext uri="{909E8E84-426E-40DD-AFC4-6F175D3DCCD1}">
-              <a14:hiddenFill xmlns:a14="http://schemas.microsoft.com/office/drawing/2010/main">
+              <a14:hiddenFill xmlns:a14="http://schemas.microsoft.com/office/drawing/2010/main" xmlns="">
                 <a:solidFill>
                   <a:srgbClr val="FFFFFF"/>
                 </a:solidFill>
               </a14:hiddenFill>
             </a:ext>
             <a:ext uri="{91240B29-F687-4F45-9708-019B960494DF}">
-              <a14:hiddenLine xmlns:a14="http://schemas.microsoft.com/office/drawing/2010/main" w="9525">
+              <a14:hiddenLine xmlns:a14="http://schemas.microsoft.com/office/drawing/2010/main" xmlns="" w="9525">
                 <a:solidFill>
                   <a:srgbClr val="000000"/>
                 </a:solidFill>
@@ -4772,7 +5078,7 @@
           </a:ln>
           <a:extLst>
             <a:ext uri="{909E8E84-426E-40DD-AFC4-6F175D3DCCD1}">
-              <a14:hiddenFill xmlns:a14="http://schemas.microsoft.com/office/drawing/2010/main">
+              <a14:hiddenFill xmlns:a14="http://schemas.microsoft.com/office/drawing/2010/main" xmlns="">
                 <a:solidFill>
                   <a:srgbClr val="FFFFFF"/>
                 </a:solidFill>
@@ -4998,7 +5304,7 @@
           </a:ln>
           <a:extLst>
             <a:ext uri="{909E8E84-426E-40DD-AFC4-6F175D3DCCD1}">
-              <a14:hiddenFill xmlns:a14="http://schemas.microsoft.com/office/drawing/2010/main">
+              <a14:hiddenFill xmlns:a14="http://schemas.microsoft.com/office/drawing/2010/main" xmlns="">
                 <a:solidFill>
                   <a:srgbClr val="FFFFFF"/>
                 </a:solidFill>
@@ -5187,7 +5493,7 @@
     <a:masterClrMapping/>
   </p:clrMapOvr>
   <mc:AlternateContent xmlns:mc="http://schemas.openxmlformats.org/markup-compatibility/2006">
-    <mc:Choice xmlns:p15="http://schemas.microsoft.com/office/powerpoint/2012/main" xmlns="" Requires="p15">
+    <mc:Choice xmlns="" xmlns:p15="http://schemas.microsoft.com/office/powerpoint/2012/main" Requires="p15">
       <p:transition xmlns:p14="http://schemas.microsoft.com/office/powerpoint/2010/main" spd="slow" Requires="p14" p14:dur="2000" advTm="0">
         <p15:prstTrans prst="crush"/>
       </p:transition>
@@ -6790,13 +7096,13 @@
   <p:clrMapOvr>
     <a:masterClrMapping/>
   </p:clrMapOvr>
-  <mc:AlternateContent xmlns:mc="http://schemas.openxmlformats.org/markup-compatibility/2006" xmlns:p14="http://schemas.microsoft.com/office/powerpoint/2010/main">
-    <mc:Choice Requires="p14">
+  <mc:AlternateContent xmlns:mc="http://schemas.openxmlformats.org/markup-compatibility/2006">
+    <mc:Choice xmlns:p14="http://schemas.microsoft.com/office/powerpoint/2010/main" xmlns="" Requires="p14">
       <p:transition spd="slow" p14:dur="1250" advTm="3000">
         <p14:flip dir="r"/>
       </p:transition>
     </mc:Choice>
-    <mc:Fallback xmlns="">
+    <mc:Fallback>
       <p:transition spd="slow" advTm="3000">
         <p:fade/>
       </p:transition>
@@ -7039,7 +7345,7 @@
           <a:blip r:embed="rId2">
             <a:extLst>
               <a:ext uri="{28A0092B-C50C-407E-A947-70E740481C1C}">
-                <a14:useLocalDpi xmlns:a14="http://schemas.microsoft.com/office/drawing/2010/main" val="0"/>
+                <a14:useLocalDpi xmlns:a14="http://schemas.microsoft.com/office/drawing/2010/main" xmlns="" val="0"/>
               </a:ext>
             </a:extLst>
           </a:blip>
@@ -7062,14 +7368,14 @@
           </a:ln>
           <a:extLst>
             <a:ext uri="{909E8E84-426E-40DD-AFC4-6F175D3DCCD1}">
-              <a14:hiddenFill xmlns:a14="http://schemas.microsoft.com/office/drawing/2010/main">
+              <a14:hiddenFill xmlns:a14="http://schemas.microsoft.com/office/drawing/2010/main" xmlns="">
                 <a:solidFill>
                   <a:schemeClr val="accent1"/>
                 </a:solidFill>
               </a14:hiddenFill>
             </a:ext>
             <a:ext uri="{91240B29-F687-4F45-9708-019B960494DF}">
-              <a14:hiddenLine xmlns:a14="http://schemas.microsoft.com/office/drawing/2010/main" w="9525">
+              <a14:hiddenLine xmlns:a14="http://schemas.microsoft.com/office/drawing/2010/main" xmlns="" w="9525">
                 <a:solidFill>
                   <a:schemeClr val="tx1"/>
                 </a:solidFill>
@@ -7084,7 +7390,7 @@
     </p:spTree>
     <p:extLst>
       <p:ext uri="{BB962C8B-B14F-4D97-AF65-F5344CB8AC3E}">
-        <p14:creationId xmlns:p14="http://schemas.microsoft.com/office/powerpoint/2010/main" val="1197493893"/>
+        <p14:creationId xmlns:p14="http://schemas.microsoft.com/office/powerpoint/2010/main" xmlns="" val="1197493893"/>
       </p:ext>
     </p:extLst>
   </p:cSld>
@@ -8125,20 +8431,20 @@
     </p:spTree>
     <p:extLst>
       <p:ext uri="{BB962C8B-B14F-4D97-AF65-F5344CB8AC3E}">
-        <p14:creationId xmlns:p14="http://schemas.microsoft.com/office/powerpoint/2010/main" val="3284328948"/>
+        <p14:creationId xmlns:p14="http://schemas.microsoft.com/office/powerpoint/2010/main" xmlns="" val="3284328948"/>
       </p:ext>
     </p:extLst>
   </p:cSld>
   <p:clrMapOvr>
     <a:masterClrMapping/>
   </p:clrMapOvr>
-  <mc:AlternateContent xmlns:mc="http://schemas.openxmlformats.org/markup-compatibility/2006" xmlns:p14="http://schemas.microsoft.com/office/powerpoint/2010/main">
-    <mc:Choice Requires="p14">
+  <mc:AlternateContent xmlns:mc="http://schemas.openxmlformats.org/markup-compatibility/2006">
+    <mc:Choice xmlns:p14="http://schemas.microsoft.com/office/powerpoint/2010/main" xmlns="" Requires="p14">
       <p:transition spd="slow" p14:dur="1250" advTm="3000">
         <p14:flip dir="r"/>
       </p:transition>
     </mc:Choice>
-    <mc:Fallback xmlns="">
+    <mc:Fallback>
       <p:transition spd="slow" advTm="3000">
         <p:fade/>
       </p:transition>
@@ -8321,6 +8627,440 @@
 </p:sld>
 </file>
 
+<file path=ppt/slides/slide6.xml><?xml version="1.0" encoding="utf-8"?>
+<p:sld xmlns:a="http://schemas.openxmlformats.org/drawingml/2006/main" xmlns:r="http://schemas.openxmlformats.org/officeDocument/2006/relationships" xmlns:p="http://schemas.openxmlformats.org/presentationml/2006/main">
+  <p:cSld>
+    <p:spTree>
+      <p:nvGrpSpPr>
+        <p:cNvPr id="1" name=""/>
+        <p:cNvGrpSpPr/>
+        <p:nvPr/>
+      </p:nvGrpSpPr>
+      <p:grpSpPr>
+        <a:xfrm>
+          <a:off x="0" y="0"/>
+          <a:ext cx="0" cy="0"/>
+          <a:chOff x="0" y="0"/>
+          <a:chExt cx="0" cy="0"/>
+        </a:xfrm>
+      </p:grpSpPr>
+      <p:sp>
+        <p:nvSpPr>
+          <p:cNvPr id="2" name="标题 1"/>
+          <p:cNvSpPr>
+            <a:spLocks noGrp="1"/>
+          </p:cNvSpPr>
+          <p:nvPr>
+            <p:ph type="title"/>
+          </p:nvPr>
+        </p:nvSpPr>
+        <p:spPr/>
+        <p:txBody>
+          <a:bodyPr/>
+          <a:lstStyle/>
+          <a:p>
+            <a:r>
+              <a:rPr lang="en-US" altLang="zh-CN" dirty="0" smtClean="0"/>
+              <a:t>UNIX</a:t>
+            </a:r>
+            <a:r>
+              <a:rPr lang="zh-CN" altLang="en-US" dirty="0" smtClean="0"/>
+              <a:t>网络编程 卷</a:t>
+            </a:r>
+            <a:r>
+              <a:rPr lang="en-US" altLang="zh-CN" dirty="0" smtClean="0"/>
+              <a:t>2</a:t>
+            </a:r>
+            <a:r>
+              <a:rPr lang="zh-CN" altLang="en-US" dirty="0" smtClean="0"/>
+              <a:t>：进程间通</a:t>
+            </a:r>
+            <a:endParaRPr lang="zh-CN" altLang="en-US" dirty="0"/>
+          </a:p>
+        </p:txBody>
+      </p:sp>
+      <p:pic>
+        <p:nvPicPr>
+          <p:cNvPr id="1027" name="Picture 3"/>
+          <p:cNvPicPr>
+            <a:picLocks noChangeAspect="1" noChangeArrowheads="1"/>
+          </p:cNvPicPr>
+          <p:nvPr/>
+        </p:nvPicPr>
+        <p:blipFill>
+          <a:blip r:embed="rId3"/>
+          <a:srcRect/>
+          <a:stretch>
+            <a:fillRect/>
+          </a:stretch>
+        </p:blipFill>
+        <p:spPr bwMode="auto">
+          <a:xfrm>
+            <a:off x="35392" y="1830375"/>
+            <a:ext cx="12823358" cy="2786082"/>
+          </a:xfrm>
+          <a:prstGeom prst="rect">
+            <a:avLst/>
+          </a:prstGeom>
+          <a:noFill/>
+          <a:ln w="9525">
+            <a:noFill/>
+            <a:miter lim="800000"/>
+            <a:headEnd/>
+            <a:tailEnd/>
+          </a:ln>
+          <a:effectLst/>
+        </p:spPr>
+      </p:pic>
+      <p:pic>
+        <p:nvPicPr>
+          <p:cNvPr id="1028" name="Picture 4"/>
+          <p:cNvPicPr>
+            <a:picLocks noChangeAspect="1" noChangeArrowheads="1"/>
+          </p:cNvPicPr>
+          <p:nvPr/>
+        </p:nvPicPr>
+        <p:blipFill>
+          <a:blip r:embed="rId4"/>
+          <a:srcRect/>
+          <a:stretch>
+            <a:fillRect/>
+          </a:stretch>
+        </p:blipFill>
+        <p:spPr bwMode="auto">
+          <a:xfrm>
+            <a:off x="285707" y="4545019"/>
+            <a:ext cx="3714776" cy="2527266"/>
+          </a:xfrm>
+          <a:prstGeom prst="rect">
+            <a:avLst/>
+          </a:prstGeom>
+          <a:noFill/>
+          <a:ln w="9525">
+            <a:noFill/>
+            <a:miter lim="800000"/>
+            <a:headEnd/>
+            <a:tailEnd/>
+          </a:ln>
+          <a:effectLst/>
+        </p:spPr>
+      </p:pic>
+      <p:pic>
+        <p:nvPicPr>
+          <p:cNvPr id="1029" name="Picture 5"/>
+          <p:cNvPicPr>
+            <a:picLocks noChangeAspect="1" noChangeArrowheads="1"/>
+          </p:cNvPicPr>
+          <p:nvPr/>
+        </p:nvPicPr>
+        <p:blipFill>
+          <a:blip r:embed="rId5"/>
+          <a:srcRect/>
+          <a:stretch>
+            <a:fillRect/>
+          </a:stretch>
+        </p:blipFill>
+        <p:spPr bwMode="auto">
+          <a:xfrm>
+            <a:off x="8072449" y="2678285"/>
+            <a:ext cx="5357797" cy="5162355"/>
+          </a:xfrm>
+          <a:prstGeom prst="rect">
+            <a:avLst/>
+          </a:prstGeom>
+          <a:noFill/>
+          <a:ln w="9525">
+            <a:noFill/>
+            <a:miter lim="800000"/>
+            <a:headEnd/>
+            <a:tailEnd/>
+          </a:ln>
+          <a:effectLst/>
+        </p:spPr>
+      </p:pic>
+      <p:pic>
+        <p:nvPicPr>
+          <p:cNvPr id="8" name="Picture 5"/>
+          <p:cNvPicPr>
+            <a:picLocks noChangeAspect="1" noChangeArrowheads="1"/>
+          </p:cNvPicPr>
+          <p:nvPr/>
+        </p:nvPicPr>
+        <p:blipFill>
+          <a:blip r:embed="rId5"/>
+          <a:srcRect/>
+          <a:stretch>
+            <a:fillRect/>
+          </a:stretch>
+        </p:blipFill>
+        <p:spPr bwMode="auto">
+          <a:xfrm>
+            <a:off x="6572251" y="1616061"/>
+            <a:ext cx="5357797" cy="5162355"/>
+          </a:xfrm>
+          <a:prstGeom prst="rect">
+            <a:avLst/>
+          </a:prstGeom>
+          <a:noFill/>
+          <a:ln w="9525">
+            <a:noFill/>
+            <a:miter lim="800000"/>
+            <a:headEnd/>
+            <a:tailEnd/>
+          </a:ln>
+          <a:effectLst/>
+        </p:spPr>
+      </p:pic>
+    </p:spTree>
+  </p:cSld>
+  <p:clrMapOvr>
+    <a:masterClrMapping/>
+  </p:clrMapOvr>
+</p:sld>
+</file>
+
+<file path=ppt/slides/slide7.xml><?xml version="1.0" encoding="utf-8"?>
+<p:sld xmlns:a="http://schemas.openxmlformats.org/drawingml/2006/main" xmlns:r="http://schemas.openxmlformats.org/officeDocument/2006/relationships" xmlns:p="http://schemas.openxmlformats.org/presentationml/2006/main">
+  <p:cSld>
+    <p:spTree>
+      <p:nvGrpSpPr>
+        <p:cNvPr id="1" name=""/>
+        <p:cNvGrpSpPr/>
+        <p:nvPr/>
+      </p:nvGrpSpPr>
+      <p:grpSpPr>
+        <a:xfrm>
+          <a:off x="0" y="0"/>
+          <a:ext cx="0" cy="0"/>
+          <a:chOff x="0" y="0"/>
+          <a:chExt cx="0" cy="0"/>
+        </a:xfrm>
+      </p:grpSpPr>
+      <p:sp>
+        <p:nvSpPr>
+          <p:cNvPr id="2" name="标题 1"/>
+          <p:cNvSpPr>
+            <a:spLocks noGrp="1"/>
+          </p:cNvSpPr>
+          <p:nvPr>
+            <p:ph type="title"/>
+          </p:nvPr>
+        </p:nvSpPr>
+        <p:spPr>
+          <a:xfrm>
+            <a:off x="884039" y="385071"/>
+            <a:ext cx="11090672" cy="5517270"/>
+          </a:xfrm>
+        </p:spPr>
+        <p:txBody>
+          <a:bodyPr/>
+          <a:lstStyle/>
+          <a:p>
+            <a:r>
+              <a:rPr lang="en-US" dirty="0" smtClean="0">
+                <a:hlinkClick r:id="rId3"/>
+              </a:rPr>
+              <a:t>https://github.com/DGuco/shmqueue </a:t>
+            </a:r>
+            <a:r>
+              <a:rPr lang="en-US" dirty="0" smtClean="0"/>
+              <a:t/>
+            </a:r>
+            <a:br>
+              <a:rPr lang="en-US" dirty="0" smtClean="0"/>
+            </a:br>
+            <a:r>
+              <a:rPr lang="en-US" altLang="zh-CN" dirty="0" smtClean="0"/>
+              <a:t>1</a:t>
+            </a:r>
+            <a:br>
+              <a:rPr lang="en-US" altLang="zh-CN" dirty="0" smtClean="0"/>
+            </a:br>
+            <a:r>
+              <a:rPr lang="zh-CN" altLang="en-US" dirty="0" smtClean="0"/>
+              <a:t>个生产，一个消费  轮流执行</a:t>
+            </a:r>
+            <a:r>
+              <a:rPr lang="en-US" altLang="zh-CN" dirty="0" smtClean="0"/>
+              <a:t/>
+            </a:r>
+            <a:br>
+              <a:rPr lang="en-US" altLang="zh-CN" dirty="0" smtClean="0"/>
+            </a:br>
+            <a:r>
+              <a:rPr lang="en-US" altLang="zh-CN" dirty="0" smtClean="0"/>
+              <a:t>2</a:t>
+            </a:r>
+            <a:r>
+              <a:rPr lang="zh-CN" altLang="en-US" dirty="0" smtClean="0"/>
+              <a:t>个信号量 </a:t>
+            </a:r>
+            <a:r>
+              <a:rPr lang="en-US" altLang="zh-CN" dirty="0" smtClean="0"/>
+              <a:t>0  1</a:t>
+            </a:r>
+            <a:br>
+              <a:rPr lang="en-US" altLang="zh-CN" dirty="0" smtClean="0"/>
+            </a:br>
+            <a:r>
+              <a:rPr lang="en-US" altLang="zh-CN" dirty="0" smtClean="0"/>
+              <a:t/>
+            </a:r>
+            <a:br>
+              <a:rPr lang="en-US" altLang="zh-CN" dirty="0" smtClean="0"/>
+            </a:br>
+            <a:r>
+              <a:rPr lang="zh-CN" altLang="en-US" dirty="0" smtClean="0"/>
+              <a:t>多</a:t>
+            </a:r>
+            <a:r>
+              <a:rPr lang="zh-CN" altLang="en-US" dirty="0" smtClean="0"/>
+              <a:t>个生成 </a:t>
+            </a:r>
+            <a:r>
+              <a:rPr lang="en-US" altLang="zh-CN" dirty="0" smtClean="0"/>
+              <a:t>1</a:t>
+            </a:r>
+            <a:r>
+              <a:rPr lang="zh-CN" altLang="en-US" dirty="0" smtClean="0"/>
+              <a:t>个消费： </a:t>
+            </a:r>
+            <a:r>
+              <a:rPr lang="en-US" altLang="zh-CN" dirty="0" smtClean="0"/>
+              <a:t>2 </a:t>
+            </a:r>
+            <a:r>
+              <a:rPr lang="zh-CN" altLang="en-US" dirty="0" smtClean="0"/>
+              <a:t>个 </a:t>
+            </a:r>
+            <a:r>
+              <a:rPr lang="en-US" altLang="zh-CN" dirty="0" smtClean="0"/>
+              <a:t>N1</a:t>
+            </a:r>
+            <a:br>
+              <a:rPr lang="en-US" altLang="zh-CN" dirty="0" smtClean="0"/>
+            </a:br>
+            <a:r>
+              <a:rPr lang="en-US" dirty="0" smtClean="0">
+                <a:hlinkClick r:id="rId4"/>
+              </a:rPr>
+              <a:t>https://github.com/lzj112/MyBus</a:t>
+            </a:r>
+            <a:endParaRPr lang="zh-CN" altLang="en-US" dirty="0"/>
+          </a:p>
+        </p:txBody>
+      </p:sp>
+      <p:pic>
+        <p:nvPicPr>
+          <p:cNvPr id="2050" name="Picture 2"/>
+          <p:cNvPicPr>
+            <a:picLocks noChangeAspect="1" noChangeArrowheads="1"/>
+          </p:cNvPicPr>
+          <p:nvPr/>
+        </p:nvPicPr>
+        <p:blipFill>
+          <a:blip r:embed="rId5"/>
+          <a:srcRect/>
+          <a:stretch>
+            <a:fillRect/>
+          </a:stretch>
+        </p:blipFill>
+        <p:spPr bwMode="auto">
+          <a:xfrm>
+            <a:off x="3376613" y="1630363"/>
+            <a:ext cx="6105525" cy="3971925"/>
+          </a:xfrm>
+          <a:prstGeom prst="rect">
+            <a:avLst/>
+          </a:prstGeom>
+          <a:noFill/>
+          <a:ln w="9525">
+            <a:noFill/>
+            <a:miter lim="800000"/>
+            <a:headEnd/>
+            <a:tailEnd/>
+          </a:ln>
+          <a:effectLst/>
+        </p:spPr>
+      </p:pic>
+    </p:spTree>
+  </p:cSld>
+  <p:clrMapOvr>
+    <a:masterClrMapping/>
+  </p:clrMapOvr>
+</p:sld>
+</file>
+
+<file path=ppt/slides/slide8.xml><?xml version="1.0" encoding="utf-8"?>
+<p:sld xmlns:a="http://schemas.openxmlformats.org/drawingml/2006/main" xmlns:r="http://schemas.openxmlformats.org/officeDocument/2006/relationships" xmlns:p="http://schemas.openxmlformats.org/presentationml/2006/main">
+  <p:cSld>
+    <p:spTree>
+      <p:nvGrpSpPr>
+        <p:cNvPr id="1" name=""/>
+        <p:cNvGrpSpPr/>
+        <p:nvPr/>
+      </p:nvGrpSpPr>
+      <p:grpSpPr>
+        <a:xfrm>
+          <a:off x="0" y="0"/>
+          <a:ext cx="0" cy="0"/>
+          <a:chOff x="0" y="0"/>
+          <a:chExt cx="0" cy="0"/>
+        </a:xfrm>
+      </p:grpSpPr>
+      <p:sp>
+        <p:nvSpPr>
+          <p:cNvPr id="2" name="标题 1"/>
+          <p:cNvSpPr>
+            <a:spLocks noGrp="1"/>
+          </p:cNvSpPr>
+          <p:nvPr>
+            <p:ph type="title"/>
+          </p:nvPr>
+        </p:nvSpPr>
+        <p:spPr>
+          <a:xfrm>
+            <a:off x="884039" y="385072"/>
+            <a:ext cx="11090672" cy="5588707"/>
+          </a:xfrm>
+        </p:spPr>
+        <p:txBody>
+          <a:bodyPr>
+            <a:normAutofit/>
+          </a:bodyPr>
+          <a:lstStyle/>
+          <a:p>
+            <a:r>
+              <a:rPr lang="en-US" dirty="0" smtClean="0">
+                <a:hlinkClick r:id="rId2"/>
+              </a:rPr>
+              <a:t>http://zh.highscore.de/cpp/boost/</a:t>
+            </a:r>
+            <a:r>
+              <a:rPr lang="en-US" dirty="0" smtClean="0"/>
+              <a:t/>
+            </a:r>
+            <a:br>
+              <a:rPr lang="en-US" dirty="0" smtClean="0"/>
+            </a:br>
+            <a:r>
+              <a:rPr lang="en-US" dirty="0" smtClean="0">
+                <a:hlinkClick r:id="rId3"/>
+              </a:rPr>
+              <a:t>https://theboostcpplibraries.com/boost.interprocess</a:t>
+            </a:r>
+            <a:endParaRPr lang="zh-CN" altLang="en-US" dirty="0"/>
+          </a:p>
+        </p:txBody>
+      </p:sp>
+    </p:spTree>
+  </p:cSld>
+  <p:clrMapOvr>
+    <a:masterClrMapping/>
+  </p:clrMapOvr>
+</p:sld>
+</file>
+
 <file path=ppt/tags/tag1.xml><?xml version="1.0" encoding="utf-8"?>
 <p:tagLst xmlns:a="http://schemas.openxmlformats.org/drawingml/2006/main" xmlns:r="http://schemas.openxmlformats.org/officeDocument/2006/relationships" xmlns:p="http://schemas.openxmlformats.org/presentationml/2006/main">
   <p:tag name="ISPRING_ULTRA_SCORM_COURSE_ID" val="9E7965BD-BA7C-4284-B303-3DF26FF20985"/>
@@ -8402,7 +9142,7 @@
         <a:sysClr val="windowText" lastClr="000000"/>
       </a:dk1>
       <a:lt1>
-        <a:sysClr val="window" lastClr="CCE8CF"/>
+        <a:sysClr val="window" lastClr="FFFFFF"/>
       </a:lt1>
       <a:dk2>
         <a:srgbClr val="44546A"/>
@@ -8649,7 +9389,7 @@
   <a:extraClrSchemeLst/>
   <a:extLst>
     <a:ext uri="{05A4C25C-085E-4340-85A3-A5531E510DB2}">
-      <thm15:themeFamily xmlns:thm15="http://schemas.microsoft.com/office/thememl/2012/main" xmlns="" name="Office Theme" id="{62F939B6-93AF-4DB8-9C6B-D6C7DFDC589F}" vid="{4A3C46E8-61CC-4603-A589-7422A47A8E4A}"/>
+      <thm15:themeFamily xmlns="" xmlns:thm15="http://schemas.microsoft.com/office/thememl/2012/main" name="Office Theme" id="{62F939B6-93AF-4DB8-9C6B-D6C7DFDC589F}" vid="{4A3C46E8-61CC-4603-A589-7422A47A8E4A}"/>
     </a:ext>
   </a:extLst>
 </a:theme>
@@ -8663,7 +9403,7 @@
         <a:sysClr val="windowText" lastClr="000000"/>
       </a:dk1>
       <a:lt1>
-        <a:sysClr val="window" lastClr="CCE8CF"/>
+        <a:sysClr val="window" lastClr="FFFFFF"/>
       </a:lt1>
       <a:dk2>
         <a:srgbClr val="1F497D"/>
@@ -8939,7 +9679,7 @@
   <a:extraClrSchemeLst/>
   <a:extLst>
     <a:ext uri="{05A4C25C-085E-4340-85A3-A5531E510DB2}">
-      <thm15:themeFamily xmlns:thm15="http://schemas.microsoft.com/office/thememl/2012/main" xmlns="" name="Office Theme" id="{62F939B6-93AF-4DB8-9C6B-D6C7DFDC589F}" vid="{4A3C46E8-61CC-4603-A589-7422A47A8E4A}"/>
+      <thm15:themeFamily xmlns="" xmlns:thm15="http://schemas.microsoft.com/office/thememl/2012/main" name="Office Theme" id="{62F939B6-93AF-4DB8-9C6B-D6C7DFDC589F}" vid="{4A3C46E8-61CC-4603-A589-7422A47A8E4A}"/>
     </a:ext>
   </a:extLst>
 </a:theme>
@@ -8953,7 +9693,7 @@
         <a:sysClr val="windowText" lastClr="000000"/>
       </a:dk1>
       <a:lt1>
-        <a:sysClr val="window" lastClr="CCE8CF"/>
+        <a:sysClr val="window" lastClr="FFFFFF"/>
       </a:lt1>
       <a:dk2>
         <a:srgbClr val="44546A"/>
@@ -9200,7 +9940,7 @@
   <a:extraClrSchemeLst/>
   <a:extLst>
     <a:ext uri="{05A4C25C-085E-4340-85A3-A5531E510DB2}">
-      <thm15:themeFamily xmlns:thm15="http://schemas.microsoft.com/office/thememl/2012/main" xmlns="" name="Office Theme" id="{62F939B6-93AF-4DB8-9C6B-D6C7DFDC589F}" vid="{4A3C46E8-61CC-4603-A589-7422A47A8E4A}"/>
+      <thm15:themeFamily xmlns="" xmlns:thm15="http://schemas.microsoft.com/office/thememl/2012/main" name="Office Theme" id="{62F939B6-93AF-4DB8-9C6B-D6C7DFDC589F}" vid="{4A3C46E8-61CC-4603-A589-7422A47A8E4A}"/>
     </a:ext>
   </a:extLst>
 </a:theme>

--- a/ppt/2020/liunxFQA.pptx
+++ b/ppt/2020/liunxFQA.pptx
@@ -5,10 +5,10 @@
     <p:sldMasterId id="2147483648" r:id="rId1"/>
   </p:sldMasterIdLst>
   <p:notesMasterIdLst>
-    <p:notesMasterId r:id="rId10"/>
+    <p:notesMasterId r:id="rId12"/>
   </p:notesMasterIdLst>
   <p:handoutMasterIdLst>
-    <p:handoutMasterId r:id="rId11"/>
+    <p:handoutMasterId r:id="rId13"/>
   </p:handoutMasterIdLst>
   <p:sldIdLst>
     <p:sldId id="2840" r:id="rId2"/>
@@ -19,11 +19,13 @@
     <p:sldId id="2867" r:id="rId7"/>
     <p:sldId id="2868" r:id="rId8"/>
     <p:sldId id="2869" r:id="rId9"/>
+    <p:sldId id="2870" r:id="rId10"/>
+    <p:sldId id="2871" r:id="rId11"/>
   </p:sldIdLst>
   <p:sldSz cx="12858750" cy="7232650"/>
   <p:notesSz cx="6858000" cy="9144000"/>
   <p:custDataLst>
-    <p:tags r:id="rId12"/>
+    <p:tags r:id="rId14"/>
   </p:custDataLst>
   <p:defaultTextStyle>
     <a:defPPr>
@@ -236,7 +238,7 @@
             <a:fld id="{E9630DBF-D010-4114-9DE3-41E342A27C18}" type="datetimeFigureOut">
               <a:rPr lang="zh-CN" altLang="en-US" smtClean="0"/>
               <a:pPr/>
-              <a:t>2020/3/24</a:t>
+              <a:t>2020/4/8</a:t>
             </a:fld>
             <a:endParaRPr lang="zh-CN" altLang="en-US"/>
           </a:p>
@@ -312,7 +314,7 @@
     </p:spTree>
     <p:extLst>
       <p:ext uri="{BB962C8B-B14F-4D97-AF65-F5344CB8AC3E}">
-        <p14:creationId xmlns:p14="http://schemas.microsoft.com/office/powerpoint/2010/main" xmlns="" val="990528075"/>
+        <p14:creationId xmlns="" xmlns:p14="http://schemas.microsoft.com/office/powerpoint/2010/main" val="990528075"/>
       </p:ext>
     </p:extLst>
   </p:cSld>
@@ -411,7 +413,7 @@
               <a:pPr>
                 <a:defRPr/>
               </a:pPr>
-              <a:t>2020/3/24</a:t>
+              <a:t>2020/4/8</a:t>
             </a:fld>
             <a:endParaRPr lang="zh-CN" altLang="en-US"/>
           </a:p>
@@ -583,7 +585,7 @@
     </p:spTree>
     <p:extLst>
       <p:ext uri="{BB962C8B-B14F-4D97-AF65-F5344CB8AC3E}">
-        <p14:creationId xmlns:p14="http://schemas.microsoft.com/office/powerpoint/2010/main" xmlns="" val="1808926631"/>
+        <p14:creationId xmlns="" xmlns:p14="http://schemas.microsoft.com/office/powerpoint/2010/main" val="1808926631"/>
       </p:ext>
     </p:extLst>
   </p:cSld>
@@ -1413,7 +1415,7 @@
             <a:fld id="{32BF82D2-7A68-459D-A996-9BDDA2518FA4}" type="datetimeFigureOut">
               <a:rPr lang="zh-CN" altLang="en-US" smtClean="0"/>
               <a:pPr/>
-              <a:t>2020/3/24</a:t>
+              <a:t>2020/4/8</a:t>
             </a:fld>
             <a:endParaRPr lang="zh-CN" altLang="en-US"/>
           </a:p>
@@ -1535,7 +1537,7 @@
             <a:fld id="{32BF82D2-7A68-459D-A996-9BDDA2518FA4}" type="datetimeFigureOut">
               <a:rPr lang="zh-CN" altLang="en-US" smtClean="0"/>
               <a:pPr/>
-              <a:t>2020/3/24</a:t>
+              <a:t>2020/4/8</a:t>
             </a:fld>
             <a:endParaRPr lang="zh-CN" altLang="en-US"/>
           </a:p>
@@ -2318,7 +2320,7 @@
             <a:fld id="{32BF82D2-7A68-459D-A996-9BDDA2518FA4}" type="datetimeFigureOut">
               <a:rPr lang="zh-CN" altLang="en-US" smtClean="0"/>
               <a:pPr/>
-              <a:t>2020/3/24</a:t>
+              <a:t>2020/4/8</a:t>
             </a:fld>
             <a:endParaRPr lang="zh-CN" altLang="en-US"/>
           </a:p>
@@ -3904,7 +3906,7 @@
     <a:masterClrMapping/>
   </p:clrMapOvr>
   <mc:AlternateContent xmlns:mc="http://schemas.openxmlformats.org/markup-compatibility/2006">
-    <mc:Choice xmlns="" xmlns:p15="http://schemas.microsoft.com/office/powerpoint/2012/main" Requires="p15">
+    <mc:Choice xmlns:p15="http://schemas.microsoft.com/office/powerpoint/2012/main" xmlns="" Requires="p15">
       <p:transition xmlns:p14="http://schemas.microsoft.com/office/powerpoint/2010/main" spd="slow" Requires="p14" p14:dur="1250" advTm="4000">
         <p15:prstTrans prst="airplane"/>
       </p:transition>
@@ -4550,6 +4552,128 @@
 </p:sld>
 </file>
 
+<file path=ppt/slides/slide10.xml><?xml version="1.0" encoding="utf-8"?>
+<p:sld xmlns:a="http://schemas.openxmlformats.org/drawingml/2006/main" xmlns:r="http://schemas.openxmlformats.org/officeDocument/2006/relationships" xmlns:p="http://schemas.openxmlformats.org/presentationml/2006/main">
+  <p:cSld>
+    <p:spTree>
+      <p:nvGrpSpPr>
+        <p:cNvPr id="1" name=""/>
+        <p:cNvGrpSpPr/>
+        <p:nvPr/>
+      </p:nvGrpSpPr>
+      <p:grpSpPr>
+        <a:xfrm>
+          <a:off x="0" y="0"/>
+          <a:ext cx="0" cy="0"/>
+          <a:chOff x="0" y="0"/>
+          <a:chExt cx="0" cy="0"/>
+        </a:xfrm>
+      </p:grpSpPr>
+      <p:sp>
+        <p:nvSpPr>
+          <p:cNvPr id="2" name="标题 1"/>
+          <p:cNvSpPr>
+            <a:spLocks noGrp="1"/>
+          </p:cNvSpPr>
+          <p:nvPr>
+            <p:ph type="title"/>
+          </p:nvPr>
+        </p:nvSpPr>
+        <p:spPr/>
+        <p:txBody>
+          <a:bodyPr/>
+          <a:lstStyle/>
+          <a:p>
+            <a:r>
+              <a:rPr lang="zh-CN" altLang="en-US" dirty="0" smtClean="0"/>
+              <a:t>进程 </a:t>
+            </a:r>
+            <a:r>
+              <a:rPr lang="en-US" altLang="zh-CN" dirty="0" err="1" smtClean="0"/>
+              <a:t>vs</a:t>
+            </a:r>
+            <a:r>
+              <a:rPr lang="zh-CN" altLang="en-US" dirty="0" smtClean="0"/>
+              <a:t>线程 </a:t>
+            </a:r>
+            <a:endParaRPr lang="zh-CN" altLang="en-US" dirty="0"/>
+          </a:p>
+        </p:txBody>
+      </p:sp>
+      <p:pic>
+        <p:nvPicPr>
+          <p:cNvPr id="3" name="Picture 2"/>
+          <p:cNvPicPr>
+            <a:picLocks noChangeAspect="1" noChangeArrowheads="1"/>
+          </p:cNvPicPr>
+          <p:nvPr/>
+        </p:nvPicPr>
+        <p:blipFill>
+          <a:blip r:embed="rId2"/>
+          <a:srcRect/>
+          <a:stretch>
+            <a:fillRect/>
+          </a:stretch>
+        </p:blipFill>
+        <p:spPr bwMode="auto">
+          <a:xfrm>
+            <a:off x="571459" y="1687499"/>
+            <a:ext cx="4943475" cy="3600450"/>
+          </a:xfrm>
+          <a:prstGeom prst="rect">
+            <a:avLst/>
+          </a:prstGeom>
+          <a:noFill/>
+          <a:ln w="9525">
+            <a:noFill/>
+            <a:miter lim="800000"/>
+            <a:headEnd/>
+            <a:tailEnd/>
+          </a:ln>
+          <a:effectLst/>
+        </p:spPr>
+      </p:pic>
+      <p:pic>
+        <p:nvPicPr>
+          <p:cNvPr id="2050" name="Picture 2"/>
+          <p:cNvPicPr>
+            <a:picLocks noChangeAspect="1" noChangeArrowheads="1"/>
+          </p:cNvPicPr>
+          <p:nvPr/>
+        </p:nvPicPr>
+        <p:blipFill>
+          <a:blip r:embed="rId3"/>
+          <a:srcRect/>
+          <a:stretch>
+            <a:fillRect/>
+          </a:stretch>
+        </p:blipFill>
+        <p:spPr bwMode="auto">
+          <a:xfrm>
+            <a:off x="6000747" y="1616061"/>
+            <a:ext cx="4495800" cy="1724025"/>
+          </a:xfrm>
+          <a:prstGeom prst="rect">
+            <a:avLst/>
+          </a:prstGeom>
+          <a:noFill/>
+          <a:ln w="9525">
+            <a:noFill/>
+            <a:miter lim="800000"/>
+            <a:headEnd/>
+            <a:tailEnd/>
+          </a:ln>
+          <a:effectLst/>
+        </p:spPr>
+      </p:pic>
+    </p:spTree>
+  </p:cSld>
+  <p:clrMapOvr>
+    <a:masterClrMapping/>
+  </p:clrMapOvr>
+</p:sld>
+</file>
+
 <file path=ppt/slides/slide2.xml><?xml version="1.0" encoding="utf-8"?>
 <p:sld xmlns:a="http://schemas.openxmlformats.org/drawingml/2006/main" xmlns:r="http://schemas.openxmlformats.org/officeDocument/2006/relationships" xmlns:p="http://schemas.openxmlformats.org/presentationml/2006/main">
   <p:cSld>
@@ -4642,14 +4766,14 @@
           </a:ln>
           <a:extLst>
             <a:ext uri="{909E8E84-426E-40DD-AFC4-6F175D3DCCD1}">
-              <a14:hiddenFill xmlns:a14="http://schemas.microsoft.com/office/drawing/2010/main" xmlns="">
+              <a14:hiddenFill xmlns="" xmlns:a14="http://schemas.microsoft.com/office/drawing/2010/main">
                 <a:solidFill>
                   <a:srgbClr val="FFFFFF"/>
                 </a:solidFill>
               </a14:hiddenFill>
             </a:ext>
             <a:ext uri="{91240B29-F687-4F45-9708-019B960494DF}">
-              <a14:hiddenLine xmlns:a14="http://schemas.microsoft.com/office/drawing/2010/main" xmlns="" w="9525">
+              <a14:hiddenLine xmlns="" xmlns:a14="http://schemas.microsoft.com/office/drawing/2010/main" w="9525">
                 <a:solidFill>
                   <a:srgbClr val="000000"/>
                 </a:solidFill>
@@ -4866,14 +4990,14 @@
           </a:ln>
           <a:extLst>
             <a:ext uri="{909E8E84-426E-40DD-AFC4-6F175D3DCCD1}">
-              <a14:hiddenFill xmlns:a14="http://schemas.microsoft.com/office/drawing/2010/main" xmlns="">
+              <a14:hiddenFill xmlns="" xmlns:a14="http://schemas.microsoft.com/office/drawing/2010/main">
                 <a:solidFill>
                   <a:srgbClr val="FFFFFF"/>
                 </a:solidFill>
               </a14:hiddenFill>
             </a:ext>
             <a:ext uri="{91240B29-F687-4F45-9708-019B960494DF}">
-              <a14:hiddenLine xmlns:a14="http://schemas.microsoft.com/office/drawing/2010/main" xmlns="" w="9525">
+              <a14:hiddenLine xmlns="" xmlns:a14="http://schemas.microsoft.com/office/drawing/2010/main" w="9525">
                 <a:solidFill>
                   <a:srgbClr val="000000"/>
                 </a:solidFill>
@@ -5078,7 +5202,7 @@
           </a:ln>
           <a:extLst>
             <a:ext uri="{909E8E84-426E-40DD-AFC4-6F175D3DCCD1}">
-              <a14:hiddenFill xmlns:a14="http://schemas.microsoft.com/office/drawing/2010/main" xmlns="">
+              <a14:hiddenFill xmlns="" xmlns:a14="http://schemas.microsoft.com/office/drawing/2010/main">
                 <a:solidFill>
                   <a:srgbClr val="FFFFFF"/>
                 </a:solidFill>
@@ -5304,7 +5428,7 @@
           </a:ln>
           <a:extLst>
             <a:ext uri="{909E8E84-426E-40DD-AFC4-6F175D3DCCD1}">
-              <a14:hiddenFill xmlns:a14="http://schemas.microsoft.com/office/drawing/2010/main" xmlns="">
+              <a14:hiddenFill xmlns="" xmlns:a14="http://schemas.microsoft.com/office/drawing/2010/main">
                 <a:solidFill>
                   <a:srgbClr val="FFFFFF"/>
                 </a:solidFill>
@@ -5493,7 +5617,7 @@
     <a:masterClrMapping/>
   </p:clrMapOvr>
   <mc:AlternateContent xmlns:mc="http://schemas.openxmlformats.org/markup-compatibility/2006">
-    <mc:Choice xmlns="" xmlns:p15="http://schemas.microsoft.com/office/powerpoint/2012/main" Requires="p15">
+    <mc:Choice xmlns:p15="http://schemas.microsoft.com/office/powerpoint/2012/main" xmlns="" Requires="p15">
       <p:transition xmlns:p14="http://schemas.microsoft.com/office/powerpoint/2010/main" spd="slow" Requires="p14" p14:dur="2000" advTm="0">
         <p15:prstTrans prst="crush"/>
       </p:transition>
@@ -7097,7 +7221,7 @@
     <a:masterClrMapping/>
   </p:clrMapOvr>
   <mc:AlternateContent xmlns:mc="http://schemas.openxmlformats.org/markup-compatibility/2006">
-    <mc:Choice xmlns:p14="http://schemas.microsoft.com/office/powerpoint/2010/main" xmlns="" Requires="p14">
+    <mc:Choice xmlns="" xmlns:p14="http://schemas.microsoft.com/office/powerpoint/2010/main" Requires="p14">
       <p:transition spd="slow" p14:dur="1250" advTm="3000">
         <p14:flip dir="r"/>
       </p:transition>
@@ -7345,7 +7469,7 @@
           <a:blip r:embed="rId2">
             <a:extLst>
               <a:ext uri="{28A0092B-C50C-407E-A947-70E740481C1C}">
-                <a14:useLocalDpi xmlns:a14="http://schemas.microsoft.com/office/drawing/2010/main" xmlns="" val="0"/>
+                <a14:useLocalDpi xmlns="" xmlns:a14="http://schemas.microsoft.com/office/drawing/2010/main" val="0"/>
               </a:ext>
             </a:extLst>
           </a:blip>
@@ -7368,14 +7492,14 @@
           </a:ln>
           <a:extLst>
             <a:ext uri="{909E8E84-426E-40DD-AFC4-6F175D3DCCD1}">
-              <a14:hiddenFill xmlns:a14="http://schemas.microsoft.com/office/drawing/2010/main" xmlns="">
+              <a14:hiddenFill xmlns="" xmlns:a14="http://schemas.microsoft.com/office/drawing/2010/main">
                 <a:solidFill>
                   <a:schemeClr val="accent1"/>
                 </a:solidFill>
               </a14:hiddenFill>
             </a:ext>
             <a:ext uri="{91240B29-F687-4F45-9708-019B960494DF}">
-              <a14:hiddenLine xmlns:a14="http://schemas.microsoft.com/office/drawing/2010/main" xmlns="" w="9525">
+              <a14:hiddenLine xmlns="" xmlns:a14="http://schemas.microsoft.com/office/drawing/2010/main" w="9525">
                 <a:solidFill>
                   <a:schemeClr val="tx1"/>
                 </a:solidFill>
@@ -7390,7 +7514,7 @@
     </p:spTree>
     <p:extLst>
       <p:ext uri="{BB962C8B-B14F-4D97-AF65-F5344CB8AC3E}">
-        <p14:creationId xmlns:p14="http://schemas.microsoft.com/office/powerpoint/2010/main" xmlns="" val="1197493893"/>
+        <p14:creationId xmlns="" xmlns:p14="http://schemas.microsoft.com/office/powerpoint/2010/main" val="1197493893"/>
       </p:ext>
     </p:extLst>
   </p:cSld>
@@ -8431,7 +8555,7 @@
     </p:spTree>
     <p:extLst>
       <p:ext uri="{BB962C8B-B14F-4D97-AF65-F5344CB8AC3E}">
-        <p14:creationId xmlns:p14="http://schemas.microsoft.com/office/powerpoint/2010/main" xmlns="" val="3284328948"/>
+        <p14:creationId xmlns="" xmlns:p14="http://schemas.microsoft.com/office/powerpoint/2010/main" val="3284328948"/>
       </p:ext>
     </p:extLst>
   </p:cSld>
@@ -8439,7 +8563,7 @@
     <a:masterClrMapping/>
   </p:clrMapOvr>
   <mc:AlternateContent xmlns:mc="http://schemas.openxmlformats.org/markup-compatibility/2006">
-    <mc:Choice xmlns:p14="http://schemas.microsoft.com/office/powerpoint/2010/main" xmlns="" Requires="p14">
+    <mc:Choice xmlns="" xmlns:p14="http://schemas.microsoft.com/office/powerpoint/2010/main" Requires="p14">
       <p:transition spd="slow" p14:dur="1250" advTm="3000">
         <p14:flip dir="r"/>
       </p:transition>
@@ -8911,11 +9035,7 @@
             </a:br>
             <a:r>
               <a:rPr lang="zh-CN" altLang="en-US" dirty="0" smtClean="0"/>
-              <a:t>多</a:t>
-            </a:r>
-            <a:r>
-              <a:rPr lang="zh-CN" altLang="en-US" dirty="0" smtClean="0"/>
-              <a:t>个生成 </a:t>
+              <a:t>多个生成 </a:t>
             </a:r>
             <a:r>
               <a:rPr lang="en-US" altLang="zh-CN" dirty="0" smtClean="0"/>
@@ -9048,6 +9168,62 @@
                 <a:hlinkClick r:id="rId3"/>
               </a:rPr>
               <a:t>https://theboostcpplibraries.com/boost.interprocess</a:t>
+            </a:r>
+            <a:endParaRPr lang="zh-CN" altLang="en-US" dirty="0"/>
+          </a:p>
+        </p:txBody>
+      </p:sp>
+    </p:spTree>
+  </p:cSld>
+  <p:clrMapOvr>
+    <a:masterClrMapping/>
+  </p:clrMapOvr>
+</p:sld>
+</file>
+
+<file path=ppt/slides/slide9.xml><?xml version="1.0" encoding="utf-8"?>
+<p:sld xmlns:a="http://schemas.openxmlformats.org/drawingml/2006/main" xmlns:r="http://schemas.openxmlformats.org/officeDocument/2006/relationships" xmlns:p="http://schemas.openxmlformats.org/presentationml/2006/main">
+  <p:cSld>
+    <p:spTree>
+      <p:nvGrpSpPr>
+        <p:cNvPr id="1" name=""/>
+        <p:cNvGrpSpPr/>
+        <p:nvPr/>
+      </p:nvGrpSpPr>
+      <p:grpSpPr>
+        <a:xfrm>
+          <a:off x="0" y="0"/>
+          <a:ext cx="0" cy="0"/>
+          <a:chOff x="0" y="0"/>
+          <a:chExt cx="0" cy="0"/>
+        </a:xfrm>
+      </p:grpSpPr>
+      <p:sp>
+        <p:nvSpPr>
+          <p:cNvPr id="2" name="标题 1"/>
+          <p:cNvSpPr>
+            <a:spLocks noGrp="1"/>
+          </p:cNvSpPr>
+          <p:nvPr>
+            <p:ph type="title"/>
+          </p:nvPr>
+        </p:nvSpPr>
+        <p:spPr/>
+        <p:txBody>
+          <a:bodyPr/>
+          <a:lstStyle/>
+          <a:p>
+            <a:r>
+              <a:rPr lang="zh-CN" altLang="en-US" dirty="0" smtClean="0"/>
+              <a:t>进程 </a:t>
+            </a:r>
+            <a:r>
+              <a:rPr lang="en-US" altLang="zh-CN" dirty="0" err="1" smtClean="0"/>
+              <a:t>vs</a:t>
+            </a:r>
+            <a:r>
+              <a:rPr lang="zh-CN" altLang="en-US" dirty="0" smtClean="0"/>
+              <a:t>线程 </a:t>
             </a:r>
             <a:endParaRPr lang="zh-CN" altLang="en-US" dirty="0"/>
           </a:p>
@@ -9389,7 +9565,7 @@
   <a:extraClrSchemeLst/>
   <a:extLst>
     <a:ext uri="{05A4C25C-085E-4340-85A3-A5531E510DB2}">
-      <thm15:themeFamily xmlns="" xmlns:thm15="http://schemas.microsoft.com/office/thememl/2012/main" name="Office Theme" id="{62F939B6-93AF-4DB8-9C6B-D6C7DFDC589F}" vid="{4A3C46E8-61CC-4603-A589-7422A47A8E4A}"/>
+      <thm15:themeFamily xmlns:thm15="http://schemas.microsoft.com/office/thememl/2012/main" xmlns="" name="Office Theme" id="{62F939B6-93AF-4DB8-9C6B-D6C7DFDC589F}" vid="{4A3C46E8-61CC-4603-A589-7422A47A8E4A}"/>
     </a:ext>
   </a:extLst>
 </a:theme>
@@ -9679,7 +9855,7 @@
   <a:extraClrSchemeLst/>
   <a:extLst>
     <a:ext uri="{05A4C25C-085E-4340-85A3-A5531E510DB2}">
-      <thm15:themeFamily xmlns="" xmlns:thm15="http://schemas.microsoft.com/office/thememl/2012/main" name="Office Theme" id="{62F939B6-93AF-4DB8-9C6B-D6C7DFDC589F}" vid="{4A3C46E8-61CC-4603-A589-7422A47A8E4A}"/>
+      <thm15:themeFamily xmlns:thm15="http://schemas.microsoft.com/office/thememl/2012/main" xmlns="" name="Office Theme" id="{62F939B6-93AF-4DB8-9C6B-D6C7DFDC589F}" vid="{4A3C46E8-61CC-4603-A589-7422A47A8E4A}"/>
     </a:ext>
   </a:extLst>
 </a:theme>
@@ -9940,7 +10116,7 @@
   <a:extraClrSchemeLst/>
   <a:extLst>
     <a:ext uri="{05A4C25C-085E-4340-85A3-A5531E510DB2}">
-      <thm15:themeFamily xmlns="" xmlns:thm15="http://schemas.microsoft.com/office/thememl/2012/main" name="Office Theme" id="{62F939B6-93AF-4DB8-9C6B-D6C7DFDC589F}" vid="{4A3C46E8-61CC-4603-A589-7422A47A8E4A}"/>
+      <thm15:themeFamily xmlns:thm15="http://schemas.microsoft.com/office/thememl/2012/main" xmlns="" name="Office Theme" id="{62F939B6-93AF-4DB8-9C6B-D6C7DFDC589F}" vid="{4A3C46E8-61CC-4603-A589-7422A47A8E4A}"/>
     </a:ext>
   </a:extLst>
 </a:theme>

--- a/ppt/2020/liunxFQA.pptx
+++ b/ppt/2020/liunxFQA.pptx
@@ -5,10 +5,10 @@
     <p:sldMasterId id="2147483648" r:id="rId1"/>
   </p:sldMasterIdLst>
   <p:notesMasterIdLst>
-    <p:notesMasterId r:id="rId12"/>
+    <p:notesMasterId r:id="rId13"/>
   </p:notesMasterIdLst>
   <p:handoutMasterIdLst>
-    <p:handoutMasterId r:id="rId13"/>
+    <p:handoutMasterId r:id="rId14"/>
   </p:handoutMasterIdLst>
   <p:sldIdLst>
     <p:sldId id="2840" r:id="rId2"/>
@@ -19,13 +19,14 @@
     <p:sldId id="2867" r:id="rId7"/>
     <p:sldId id="2868" r:id="rId8"/>
     <p:sldId id="2869" r:id="rId9"/>
-    <p:sldId id="2870" r:id="rId10"/>
-    <p:sldId id="2871" r:id="rId11"/>
+    <p:sldId id="2871" r:id="rId10"/>
+    <p:sldId id="2872" r:id="rId11"/>
+    <p:sldId id="2873" r:id="rId12"/>
   </p:sldIdLst>
   <p:sldSz cx="12858750" cy="7232650"/>
   <p:notesSz cx="6858000" cy="9144000"/>
   <p:custDataLst>
-    <p:tags r:id="rId14"/>
+    <p:tags r:id="rId15"/>
   </p:custDataLst>
   <p:defaultTextStyle>
     <a:defPPr>
@@ -314,7 +315,7 @@
     </p:spTree>
     <p:extLst>
       <p:ext uri="{BB962C8B-B14F-4D97-AF65-F5344CB8AC3E}">
-        <p14:creationId xmlns="" xmlns:p14="http://schemas.microsoft.com/office/powerpoint/2010/main" val="990528075"/>
+        <p14:creationId xmlns:p14="http://schemas.microsoft.com/office/powerpoint/2010/main" xmlns="" val="990528075"/>
       </p:ext>
     </p:extLst>
   </p:cSld>
@@ -585,7 +586,7 @@
     </p:spTree>
     <p:extLst>
       <p:ext uri="{BB962C8B-B14F-4D97-AF65-F5344CB8AC3E}">
-        <p14:creationId xmlns="" xmlns:p14="http://schemas.microsoft.com/office/powerpoint/2010/main" val="1808926631"/>
+        <p14:creationId xmlns:p14="http://schemas.microsoft.com/office/powerpoint/2010/main" xmlns="" val="1808926631"/>
       </p:ext>
     </p:extLst>
   </p:cSld>
@@ -1367,6 +1368,272 @@
               <a:rPr lang="zh-CN" altLang="en-US" smtClean="0"/>
               <a:pPr/>
               <a:t>7</a:t>
+            </a:fld>
+            <a:endParaRPr lang="zh-CN" altLang="en-US"/>
+          </a:p>
+        </p:txBody>
+      </p:sp>
+    </p:spTree>
+  </p:cSld>
+  <p:clrMapOvr>
+    <a:masterClrMapping/>
+  </p:clrMapOvr>
+</p:notes>
+</file>
+
+<file path=ppt/notesSlides/notesSlide7.xml><?xml version="1.0" encoding="utf-8"?>
+<p:notes xmlns:a="http://schemas.openxmlformats.org/drawingml/2006/main" xmlns:r="http://schemas.openxmlformats.org/officeDocument/2006/relationships" xmlns:p="http://schemas.openxmlformats.org/presentationml/2006/main">
+  <p:cSld>
+    <p:spTree>
+      <p:nvGrpSpPr>
+        <p:cNvPr id="1" name=""/>
+        <p:cNvGrpSpPr/>
+        <p:nvPr/>
+      </p:nvGrpSpPr>
+      <p:grpSpPr>
+        <a:xfrm>
+          <a:off x="0" y="0"/>
+          <a:ext cx="0" cy="0"/>
+          <a:chOff x="0" y="0"/>
+          <a:chExt cx="0" cy="0"/>
+        </a:xfrm>
+      </p:grpSpPr>
+      <p:sp>
+        <p:nvSpPr>
+          <p:cNvPr id="2" name="幻灯片图像占位符 1"/>
+          <p:cNvSpPr>
+            <a:spLocks noGrp="1" noRot="1" noChangeAspect="1"/>
+          </p:cNvSpPr>
+          <p:nvPr>
+            <p:ph type="sldImg"/>
+          </p:nvPr>
+        </p:nvSpPr>
+        <p:spPr/>
+      </p:sp>
+      <p:sp>
+        <p:nvSpPr>
+          <p:cNvPr id="3" name="备注占位符 2"/>
+          <p:cNvSpPr>
+            <a:spLocks noGrp="1"/>
+          </p:cNvSpPr>
+          <p:nvPr>
+            <p:ph type="body" idx="1"/>
+          </p:nvPr>
+        </p:nvSpPr>
+        <p:spPr/>
+        <p:txBody>
+          <a:bodyPr>
+            <a:normAutofit/>
+          </a:bodyPr>
+          <a:lstStyle/>
+          <a:p>
+            <a:endParaRPr lang="zh-CN" altLang="en-US" dirty="0"/>
+          </a:p>
+        </p:txBody>
+      </p:sp>
+      <p:sp>
+        <p:nvSpPr>
+          <p:cNvPr id="4" name="灯片编号占位符 3"/>
+          <p:cNvSpPr>
+            <a:spLocks noGrp="1"/>
+          </p:cNvSpPr>
+          <p:nvPr>
+            <p:ph type="sldNum" sz="quarter" idx="10"/>
+          </p:nvPr>
+        </p:nvSpPr>
+        <p:spPr/>
+        <p:txBody>
+          <a:bodyPr/>
+          <a:lstStyle/>
+          <a:p>
+            <a:fld id="{418F03C3-53C1-4F10-8DAF-D1F318E96C6E}" type="slidenum">
+              <a:rPr lang="zh-CN" altLang="en-US" smtClean="0"/>
+              <a:pPr/>
+              <a:t>9</a:t>
+            </a:fld>
+            <a:endParaRPr lang="zh-CN" altLang="en-US"/>
+          </a:p>
+        </p:txBody>
+      </p:sp>
+    </p:spTree>
+  </p:cSld>
+  <p:clrMapOvr>
+    <a:masterClrMapping/>
+  </p:clrMapOvr>
+</p:notes>
+</file>
+
+<file path=ppt/notesSlides/notesSlide8.xml><?xml version="1.0" encoding="utf-8"?>
+<p:notes xmlns:a="http://schemas.openxmlformats.org/drawingml/2006/main" xmlns:r="http://schemas.openxmlformats.org/officeDocument/2006/relationships" xmlns:p="http://schemas.openxmlformats.org/presentationml/2006/main">
+  <p:cSld>
+    <p:spTree>
+      <p:nvGrpSpPr>
+        <p:cNvPr id="1" name=""/>
+        <p:cNvGrpSpPr/>
+        <p:nvPr/>
+      </p:nvGrpSpPr>
+      <p:grpSpPr>
+        <a:xfrm>
+          <a:off x="0" y="0"/>
+          <a:ext cx="0" cy="0"/>
+          <a:chOff x="0" y="0"/>
+          <a:chExt cx="0" cy="0"/>
+        </a:xfrm>
+      </p:grpSpPr>
+      <p:sp>
+        <p:nvSpPr>
+          <p:cNvPr id="2" name="幻灯片图像占位符 1"/>
+          <p:cNvSpPr>
+            <a:spLocks noGrp="1" noRot="1" noChangeAspect="1"/>
+          </p:cNvSpPr>
+          <p:nvPr>
+            <p:ph type="sldImg"/>
+          </p:nvPr>
+        </p:nvSpPr>
+        <p:spPr/>
+      </p:sp>
+      <p:sp>
+        <p:nvSpPr>
+          <p:cNvPr id="3" name="备注占位符 2"/>
+          <p:cNvSpPr>
+            <a:spLocks noGrp="1"/>
+          </p:cNvSpPr>
+          <p:nvPr>
+            <p:ph type="body" idx="1"/>
+          </p:nvPr>
+        </p:nvSpPr>
+        <p:spPr/>
+        <p:txBody>
+          <a:bodyPr>
+            <a:normAutofit/>
+          </a:bodyPr>
+          <a:lstStyle/>
+          <a:p>
+            <a:r>
+              <a:rPr lang="zh-CN" altLang="en-US" dirty="0" smtClean="0"/>
+              <a:t>中断 不可中断</a:t>
+            </a:r>
+            <a:endParaRPr lang="zh-CN" altLang="en-US" dirty="0"/>
+          </a:p>
+        </p:txBody>
+      </p:sp>
+      <p:sp>
+        <p:nvSpPr>
+          <p:cNvPr id="4" name="灯片编号占位符 3"/>
+          <p:cNvSpPr>
+            <a:spLocks noGrp="1"/>
+          </p:cNvSpPr>
+          <p:nvPr>
+            <p:ph type="sldNum" sz="quarter" idx="10"/>
+          </p:nvPr>
+        </p:nvSpPr>
+        <p:spPr/>
+        <p:txBody>
+          <a:bodyPr/>
+          <a:lstStyle/>
+          <a:p>
+            <a:fld id="{418F03C3-53C1-4F10-8DAF-D1F318E96C6E}" type="slidenum">
+              <a:rPr lang="zh-CN" altLang="en-US" smtClean="0"/>
+              <a:pPr/>
+              <a:t>10</a:t>
+            </a:fld>
+            <a:endParaRPr lang="zh-CN" altLang="en-US"/>
+          </a:p>
+        </p:txBody>
+      </p:sp>
+    </p:spTree>
+  </p:cSld>
+  <p:clrMapOvr>
+    <a:masterClrMapping/>
+  </p:clrMapOvr>
+</p:notes>
+</file>
+
+<file path=ppt/notesSlides/notesSlide9.xml><?xml version="1.0" encoding="utf-8"?>
+<p:notes xmlns:a="http://schemas.openxmlformats.org/drawingml/2006/main" xmlns:r="http://schemas.openxmlformats.org/officeDocument/2006/relationships" xmlns:p="http://schemas.openxmlformats.org/presentationml/2006/main">
+  <p:cSld>
+    <p:spTree>
+      <p:nvGrpSpPr>
+        <p:cNvPr id="1" name=""/>
+        <p:cNvGrpSpPr/>
+        <p:nvPr/>
+      </p:nvGrpSpPr>
+      <p:grpSpPr>
+        <a:xfrm>
+          <a:off x="0" y="0"/>
+          <a:ext cx="0" cy="0"/>
+          <a:chOff x="0" y="0"/>
+          <a:chExt cx="0" cy="0"/>
+        </a:xfrm>
+      </p:grpSpPr>
+      <p:sp>
+        <p:nvSpPr>
+          <p:cNvPr id="2" name="幻灯片图像占位符 1"/>
+          <p:cNvSpPr>
+            <a:spLocks noGrp="1" noRot="1" noChangeAspect="1"/>
+          </p:cNvSpPr>
+          <p:nvPr>
+            <p:ph type="sldImg"/>
+          </p:nvPr>
+        </p:nvSpPr>
+        <p:spPr/>
+      </p:sp>
+      <p:sp>
+        <p:nvSpPr>
+          <p:cNvPr id="3" name="备注占位符 2"/>
+          <p:cNvSpPr>
+            <a:spLocks noGrp="1"/>
+          </p:cNvSpPr>
+          <p:nvPr>
+            <p:ph type="body" idx="1"/>
+          </p:nvPr>
+        </p:nvSpPr>
+        <p:spPr/>
+        <p:txBody>
+          <a:bodyPr>
+            <a:normAutofit/>
+          </a:bodyPr>
+          <a:lstStyle/>
+          <a:p>
+            <a:r>
+              <a:rPr lang="zh-CN" altLang="en-US" dirty="0" smtClean="0"/>
+              <a:t>中断 不可中断</a:t>
+            </a:r>
+            <a:endParaRPr lang="en-US" altLang="zh-CN" dirty="0" smtClean="0"/>
+          </a:p>
+          <a:p>
+            <a:endParaRPr lang="en-US" altLang="zh-CN" smtClean="0"/>
+          </a:p>
+          <a:p>
+            <a:r>
+              <a:rPr lang="en-US" smtClean="0">
+                <a:hlinkClick r:id="rId3"/>
+              </a:rPr>
+              <a:t>https://database.51cto.com/art/202002/610953.htm</a:t>
+            </a:r>
+            <a:endParaRPr lang="zh-CN" altLang="en-US" dirty="0"/>
+          </a:p>
+        </p:txBody>
+      </p:sp>
+      <p:sp>
+        <p:nvSpPr>
+          <p:cNvPr id="4" name="灯片编号占位符 3"/>
+          <p:cNvSpPr>
+            <a:spLocks noGrp="1"/>
+          </p:cNvSpPr>
+          <p:nvPr>
+            <p:ph type="sldNum" sz="quarter" idx="10"/>
+          </p:nvPr>
+        </p:nvSpPr>
+        <p:spPr/>
+        <p:txBody>
+          <a:bodyPr/>
+          <a:lstStyle/>
+          <a:p>
+            <a:fld id="{418F03C3-53C1-4F10-8DAF-D1F318E96C6E}" type="slidenum">
+              <a:rPr lang="zh-CN" altLang="en-US" smtClean="0"/>
+              <a:pPr/>
+              <a:t>11</a:t>
             </a:fld>
             <a:endParaRPr lang="zh-CN" altLang="en-US"/>
           </a:p>
@@ -3906,7 +4173,7 @@
     <a:masterClrMapping/>
   </p:clrMapOvr>
   <mc:AlternateContent xmlns:mc="http://schemas.openxmlformats.org/markup-compatibility/2006">
-    <mc:Choice xmlns:p15="http://schemas.microsoft.com/office/powerpoint/2012/main" xmlns="" Requires="p15">
+    <mc:Choice xmlns="" xmlns:p15="http://schemas.microsoft.com/office/powerpoint/2012/main" Requires="p15">
       <p:transition xmlns:p14="http://schemas.microsoft.com/office/powerpoint/2010/main" spd="slow" Requires="p14" p14:dur="1250" advTm="4000">
         <p15:prstTrans prst="airplane"/>
       </p:transition>
@@ -4579,14 +4846,29 @@
             <p:ph type="title"/>
           </p:nvPr>
         </p:nvSpPr>
-        <p:spPr/>
+        <p:spPr>
+          <a:xfrm>
+            <a:off x="884039" y="385072"/>
+            <a:ext cx="11090672" cy="659485"/>
+          </a:xfrm>
+        </p:spPr>
         <p:txBody>
-          <a:bodyPr/>
+          <a:bodyPr>
+            <a:normAutofit fontScale="90000"/>
+          </a:bodyPr>
           <a:lstStyle/>
           <a:p>
             <a:r>
+              <a:rPr lang="en-US" altLang="zh-CN" dirty="0" smtClean="0"/>
+              <a:t> </a:t>
+            </a:r>
+            <a:r>
               <a:rPr lang="zh-CN" altLang="en-US" dirty="0" smtClean="0"/>
-              <a:t>进程 </a:t>
+              <a:t>进程</a:t>
+            </a:r>
+            <a:r>
+              <a:rPr lang="en-US" altLang="zh-CN" dirty="0" smtClean="0"/>
+              <a:t> </a:t>
             </a:r>
             <a:r>
               <a:rPr lang="en-US" altLang="zh-CN" dirty="0" err="1" smtClean="0"/>
@@ -4596,76 +4878,514 @@
               <a:rPr lang="zh-CN" altLang="en-US" dirty="0" smtClean="0"/>
               <a:t>线程 </a:t>
             </a:r>
+            <a:r>
+              <a:rPr lang="en-US" altLang="zh-CN" dirty="0" smtClean="0"/>
+              <a:t>---</a:t>
+            </a:r>
+            <a:r>
+              <a:rPr lang="zh-CN" altLang="en-US" sz="4800" dirty="0" smtClean="0"/>
+              <a:t>进程状态</a:t>
+            </a:r>
             <a:endParaRPr lang="zh-CN" altLang="en-US" dirty="0"/>
           </a:p>
         </p:txBody>
       </p:sp>
-      <p:pic>
-        <p:nvPicPr>
-          <p:cNvPr id="3" name="Picture 2"/>
-          <p:cNvPicPr>
-            <a:picLocks noChangeAspect="1" noChangeArrowheads="1"/>
-          </p:cNvPicPr>
+      <p:sp>
+        <p:nvSpPr>
+          <p:cNvPr id="3" name="矩形 2"/>
+          <p:cNvSpPr/>
           <p:nvPr/>
-        </p:nvPicPr>
-        <p:blipFill>
-          <a:blip r:embed="rId2"/>
-          <a:srcRect/>
-          <a:stretch>
-            <a:fillRect/>
-          </a:stretch>
-        </p:blipFill>
-        <p:spPr bwMode="auto">
+        </p:nvSpPr>
+        <p:spPr>
           <a:xfrm>
-            <a:off x="571459" y="1687499"/>
-            <a:ext cx="4943475" cy="3600450"/>
+            <a:off x="642897" y="1258871"/>
+            <a:ext cx="12001584" cy="10064294"/>
           </a:xfrm>
           <a:prstGeom prst="rect">
             <a:avLst/>
           </a:prstGeom>
-          <a:noFill/>
-          <a:ln w="9525">
-            <a:noFill/>
-            <a:miter lim="800000"/>
-            <a:headEnd/>
-            <a:tailEnd/>
-          </a:ln>
-          <a:effectLst/>
         </p:spPr>
-      </p:pic>
-      <p:pic>
-        <p:nvPicPr>
-          <p:cNvPr id="2050" name="Picture 2"/>
-          <p:cNvPicPr>
-            <a:picLocks noChangeAspect="1" noChangeArrowheads="1"/>
-          </p:cNvPicPr>
+        <p:txBody>
+          <a:bodyPr wrap="square">
+            <a:spAutoFit/>
+          </a:bodyPr>
+          <a:lstStyle/>
+          <a:p>
+            <a:r>
+              <a:rPr lang="en-US" altLang="zh-CN" sz="2000" dirty="0" smtClean="0"/>
+              <a:t>3</a:t>
+            </a:r>
+            <a:r>
+              <a:rPr lang="zh-CN" altLang="en-US" sz="2000" dirty="0" smtClean="0"/>
+              <a:t>个队列存储进程</a:t>
+            </a:r>
+            <a:r>
+              <a:rPr lang="en-US" altLang="zh-CN" sz="2000" dirty="0" smtClean="0"/>
+              <a:t>PCB</a:t>
+            </a:r>
+          </a:p>
+          <a:p>
+            <a:endParaRPr lang="en-US" altLang="zh-CN" sz="2000" b="1" dirty="0" smtClean="0">
+              <a:solidFill>
+                <a:srgbClr val="11576A"/>
+              </a:solidFill>
+              <a:latin typeface="微软雅黑" pitchFamily="34" charset="-122"/>
+              <a:ea typeface="微软雅黑" pitchFamily="34" charset="-122"/>
+            </a:endParaRPr>
+          </a:p>
+          <a:p>
+            <a:r>
+              <a:rPr lang="zh-CN" altLang="en-US" sz="2000" b="1" dirty="0" smtClean="0">
+                <a:solidFill>
+                  <a:srgbClr val="11576A"/>
+                </a:solidFill>
+                <a:latin typeface="微软雅黑" pitchFamily="34" charset="-122"/>
+                <a:ea typeface="微软雅黑" pitchFamily="34" charset="-122"/>
+              </a:rPr>
+              <a:t>挂起</a:t>
+            </a:r>
+            <a:r>
+              <a:rPr lang="zh-CN" altLang="en-US" sz="2000" b="1" dirty="0" smtClean="0">
+                <a:solidFill>
+                  <a:srgbClr val="11576A"/>
+                </a:solidFill>
+                <a:latin typeface="微软雅黑" pitchFamily="34" charset="-122"/>
+                <a:ea typeface="微软雅黑" pitchFamily="34" charset="-122"/>
+              </a:rPr>
+              <a:t>队列 </a:t>
+            </a:r>
+            <a:r>
+              <a:rPr lang="en-US" altLang="en-US" sz="2000" b="1" dirty="0" smtClean="0">
+                <a:solidFill>
+                  <a:srgbClr val="11576A"/>
+                </a:solidFill>
+                <a:latin typeface="微软雅黑" pitchFamily="34" charset="-122"/>
+                <a:ea typeface="微软雅黑" pitchFamily="34" charset="-122"/>
+              </a:rPr>
+              <a:t>suspend queue</a:t>
+            </a:r>
+            <a:r>
+              <a:rPr lang="en-US" altLang="zh-CN" sz="2000" b="1" dirty="0" smtClean="0">
+                <a:solidFill>
+                  <a:srgbClr val="11576A"/>
+                </a:solidFill>
+                <a:latin typeface="微软雅黑" pitchFamily="34" charset="-122"/>
+                <a:ea typeface="微软雅黑" pitchFamily="34" charset="-122"/>
+              </a:rPr>
+              <a:t>-  </a:t>
+            </a:r>
+            <a:r>
+              <a:rPr lang="zh-CN" altLang="en-US" sz="2000" b="1" dirty="0" smtClean="0">
+                <a:solidFill>
+                  <a:srgbClr val="11576A"/>
+                </a:solidFill>
+                <a:latin typeface="微软雅黑" pitchFamily="34" charset="-122"/>
+                <a:ea typeface="微软雅黑" pitchFamily="34" charset="-122"/>
+              </a:rPr>
+              <a:t>处在</a:t>
+            </a:r>
+            <a:r>
+              <a:rPr lang="zh-CN" altLang="en-US" sz="2000" b="1" dirty="0" smtClean="0">
+                <a:solidFill>
+                  <a:srgbClr val="11576A"/>
+                </a:solidFill>
+                <a:latin typeface="微软雅黑" pitchFamily="34" charset="-122"/>
+                <a:ea typeface="微软雅黑" pitchFamily="34" charset="-122"/>
+              </a:rPr>
+              <a:t>挂起状态的进程映像在磁盘上， 目的是减少进程占用</a:t>
+            </a:r>
+            <a:r>
+              <a:rPr lang="zh-CN" altLang="en-US" sz="2000" b="1" dirty="0" smtClean="0">
+                <a:solidFill>
+                  <a:srgbClr val="11576A"/>
+                </a:solidFill>
+                <a:latin typeface="微软雅黑" pitchFamily="34" charset="-122"/>
+                <a:ea typeface="微软雅黑" pitchFamily="34" charset="-122"/>
+              </a:rPr>
+              <a:t>内存</a:t>
+            </a:r>
+            <a:endParaRPr lang="en-US" altLang="zh-CN" sz="2000" b="1" dirty="0" smtClean="0">
+              <a:solidFill>
+                <a:srgbClr val="11576A"/>
+              </a:solidFill>
+              <a:latin typeface="微软雅黑" pitchFamily="34" charset="-122"/>
+              <a:ea typeface="微软雅黑" pitchFamily="34" charset="-122"/>
+            </a:endParaRPr>
+          </a:p>
+          <a:p>
+            <a:r>
+              <a:rPr lang="zh-CN" altLang="en-US" sz="2000" b="1" dirty="0" smtClean="0">
+                <a:solidFill>
+                  <a:srgbClr val="11576A"/>
+                </a:solidFill>
+                <a:latin typeface="微软雅黑" pitchFamily="34" charset="-122"/>
+                <a:ea typeface="微软雅黑" pitchFamily="34" charset="-122"/>
+              </a:rPr>
+              <a:t>等待队列 </a:t>
+            </a:r>
+            <a:r>
+              <a:rPr lang="en-US" altLang="zh-CN" sz="2000" b="1" dirty="0" smtClean="0">
+                <a:solidFill>
+                  <a:srgbClr val="11576A"/>
+                </a:solidFill>
+                <a:latin typeface="微软雅黑" pitchFamily="34" charset="-122"/>
+                <a:ea typeface="微软雅黑" pitchFamily="34" charset="-122"/>
+              </a:rPr>
+              <a:t>--</a:t>
+            </a:r>
+            <a:r>
+              <a:rPr lang="zh-CN" altLang="en-US" sz="2000" b="1" dirty="0" smtClean="0">
+                <a:solidFill>
+                  <a:srgbClr val="C00000"/>
+                </a:solidFill>
+                <a:latin typeface="微软雅黑" pitchFamily="34" charset="-122"/>
+                <a:ea typeface="微软雅黑" pitchFamily="34" charset="-122"/>
+              </a:rPr>
+              <a:t>事件</a:t>
+            </a:r>
+            <a:r>
+              <a:rPr lang="zh-CN" altLang="en-US" sz="2000" b="1" dirty="0" smtClean="0">
+                <a:solidFill>
+                  <a:srgbClr val="C00000"/>
+                </a:solidFill>
+                <a:latin typeface="微软雅黑" pitchFamily="34" charset="-122"/>
+                <a:ea typeface="微软雅黑" pitchFamily="34" charset="-122"/>
+              </a:rPr>
+              <a:t>发生 </a:t>
+            </a:r>
+            <a:r>
+              <a:rPr lang="en-US" altLang="zh-CN" sz="2000" b="1" dirty="0" smtClean="0">
+                <a:solidFill>
+                  <a:srgbClr val="C00000"/>
+                </a:solidFill>
+                <a:latin typeface="微软雅黑" pitchFamily="34" charset="-122"/>
+                <a:ea typeface="微软雅黑" pitchFamily="34" charset="-122"/>
+              </a:rPr>
+              <a:t>---</a:t>
+            </a:r>
+            <a:r>
+              <a:rPr lang="zh-CN" altLang="en-US" sz="2000" b="1" dirty="0" smtClean="0">
+                <a:solidFill>
+                  <a:srgbClr val="11576A"/>
+                </a:solidFill>
+                <a:latin typeface="微软雅黑" pitchFamily="34" charset="-122"/>
+                <a:ea typeface="微软雅黑" pitchFamily="34" charset="-122"/>
+                <a:sym typeface="MS PGothic" pitchFamily="34" charset="-128"/>
+              </a:rPr>
+              <a:t>进程唤醒</a:t>
+            </a:r>
+            <a:r>
+              <a:rPr lang="en-US" altLang="zh-CN" sz="2000" b="1" dirty="0" smtClean="0">
+                <a:solidFill>
+                  <a:srgbClr val="11576A"/>
+                </a:solidFill>
+                <a:latin typeface="微软雅黑" pitchFamily="34" charset="-122"/>
+                <a:ea typeface="微软雅黑" pitchFamily="34" charset="-122"/>
+                <a:sym typeface="MS PGothic" pitchFamily="34" charset="-128"/>
+              </a:rPr>
+              <a:t>   </a:t>
+            </a:r>
+          </a:p>
+          <a:p>
+            <a:r>
+              <a:rPr lang="zh-CN" altLang="en-US" sz="2000" b="1" dirty="0" smtClean="0">
+                <a:solidFill>
+                  <a:srgbClr val="11576A"/>
+                </a:solidFill>
+                <a:latin typeface="微软雅黑" pitchFamily="34" charset="-122"/>
+                <a:ea typeface="微软雅黑" pitchFamily="34" charset="-122"/>
+              </a:rPr>
+              <a:t>就绪队列</a:t>
+            </a:r>
+            <a:endParaRPr lang="en-US" altLang="zh-CN" sz="2000" b="1" dirty="0" smtClean="0">
+              <a:solidFill>
+                <a:srgbClr val="11576A"/>
+              </a:solidFill>
+              <a:latin typeface="微软雅黑" pitchFamily="34" charset="-122"/>
+              <a:ea typeface="微软雅黑" pitchFamily="34" charset="-122"/>
+            </a:endParaRPr>
+          </a:p>
+          <a:p>
+            <a:endParaRPr lang="en-US" altLang="zh-CN" sz="2000" dirty="0" smtClean="0"/>
+          </a:p>
+          <a:p>
+            <a:endParaRPr lang="en-US" altLang="zh-CN" sz="2000" dirty="0" smtClean="0"/>
+          </a:p>
+          <a:p>
+            <a:pPr>
+              <a:buFont typeface="Arial" pitchFamily="34" charset="0"/>
+              <a:buChar char="•"/>
+            </a:pPr>
+            <a:r>
+              <a:rPr lang="zh-CN" altLang="en-US" sz="2000" dirty="0" smtClean="0"/>
+              <a:t>等待和挂起区别</a:t>
+            </a:r>
+            <a:endParaRPr lang="en-US" altLang="zh-CN" sz="2000" dirty="0" smtClean="0"/>
+          </a:p>
+          <a:p>
+            <a:r>
+              <a:rPr lang="zh-CN" altLang="en-US" sz="2000" dirty="0" smtClean="0"/>
+              <a:t>就绪队列</a:t>
+            </a:r>
+            <a:endParaRPr lang="en-US" altLang="zh-CN" sz="2000" dirty="0" smtClean="0"/>
+          </a:p>
+          <a:p>
+            <a:endParaRPr lang="en-US" altLang="zh-CN" sz="2000" dirty="0" smtClean="0"/>
+          </a:p>
+          <a:p>
+            <a:endParaRPr lang="en-US" altLang="zh-CN" sz="2000" dirty="0" smtClean="0"/>
+          </a:p>
+          <a:p>
+            <a:endParaRPr lang="en-US" altLang="zh-CN" sz="2000" dirty="0" smtClean="0"/>
+          </a:p>
+          <a:p>
+            <a:pPr>
+              <a:buFont typeface="Arial" pitchFamily="34" charset="0"/>
+              <a:buChar char="•"/>
+            </a:pPr>
+            <a:r>
+              <a:rPr lang="zh-CN" altLang="en-US" sz="2000" dirty="0" smtClean="0"/>
+              <a:t>孤儿进程 僵尸</a:t>
+            </a:r>
+            <a:r>
+              <a:rPr lang="zh-CN" altLang="en-US" sz="2000" dirty="0" smtClean="0"/>
+              <a:t>进程</a:t>
+            </a:r>
+            <a:endParaRPr lang="en-US" altLang="zh-CN" sz="2000" dirty="0" smtClean="0"/>
+          </a:p>
+          <a:p>
+            <a:endParaRPr lang="en-US" altLang="zh-CN" sz="2000" dirty="0" smtClean="0"/>
+          </a:p>
+          <a:p>
+            <a:endParaRPr lang="en-US" altLang="zh-CN" sz="2000" dirty="0" smtClean="0"/>
+          </a:p>
+          <a:p>
+            <a:endParaRPr lang="en-US" altLang="zh-CN" sz="2000" dirty="0" smtClean="0"/>
+          </a:p>
+          <a:p>
+            <a:endParaRPr lang="en-US" altLang="zh-CN" sz="2000" dirty="0" smtClean="0"/>
+          </a:p>
+          <a:p>
+            <a:endParaRPr lang="en-US" altLang="zh-CN" sz="2000" dirty="0" smtClean="0"/>
+          </a:p>
+          <a:p>
+            <a:endParaRPr lang="en-US" altLang="zh-CN" dirty="0" smtClean="0"/>
+          </a:p>
+          <a:p>
+            <a:endParaRPr lang="en-US" altLang="zh-CN" dirty="0" smtClean="0"/>
+          </a:p>
+          <a:p>
+            <a:endParaRPr lang="en-US" altLang="zh-CN" dirty="0" smtClean="0"/>
+          </a:p>
+          <a:p>
+            <a:endParaRPr lang="en-US" altLang="zh-CN" dirty="0" smtClean="0"/>
+          </a:p>
+          <a:p>
+            <a:endParaRPr lang="en-US" altLang="zh-CN" dirty="0" smtClean="0"/>
+          </a:p>
+          <a:p>
+            <a:endParaRPr lang="en-US" altLang="zh-CN" dirty="0" smtClean="0"/>
+          </a:p>
+          <a:p>
+            <a:endParaRPr lang="en-US" altLang="zh-CN" dirty="0" smtClean="0"/>
+          </a:p>
+          <a:p>
+            <a:endParaRPr lang="en-US" altLang="zh-CN" dirty="0" smtClean="0"/>
+          </a:p>
+          <a:p>
+            <a:endParaRPr lang="en-US" altLang="zh-CN" dirty="0" smtClean="0"/>
+          </a:p>
+          <a:p>
+            <a:endParaRPr lang="en-US" altLang="zh-CN" dirty="0" smtClean="0"/>
+          </a:p>
+          <a:p>
+            <a:endParaRPr lang="en-US" altLang="zh-CN" dirty="0" smtClean="0"/>
+          </a:p>
+          <a:p>
+            <a:endParaRPr lang="en-US" altLang="zh-CN" dirty="0" smtClean="0"/>
+          </a:p>
+          <a:p>
+            <a:endParaRPr lang="en-US" altLang="zh-CN" dirty="0" smtClean="0"/>
+          </a:p>
+          <a:p>
+            <a:endParaRPr lang="en-US" altLang="zh-CN" dirty="0" smtClean="0"/>
+          </a:p>
+          <a:p>
+            <a:endParaRPr lang="en-US" altLang="zh-CN" dirty="0" smtClean="0"/>
+          </a:p>
+          <a:p>
+            <a:endParaRPr lang="zh-CN" altLang="en-US" dirty="0"/>
+          </a:p>
+        </p:txBody>
+      </p:sp>
+    </p:spTree>
+  </p:cSld>
+  <p:clrMapOvr>
+    <a:masterClrMapping/>
+  </p:clrMapOvr>
+</p:sld>
+</file>
+
+<file path=ppt/slides/slide11.xml><?xml version="1.0" encoding="utf-8"?>
+<p:sld xmlns:a="http://schemas.openxmlformats.org/drawingml/2006/main" xmlns:r="http://schemas.openxmlformats.org/officeDocument/2006/relationships" xmlns:p="http://schemas.openxmlformats.org/presentationml/2006/main">
+  <p:cSld>
+    <p:spTree>
+      <p:nvGrpSpPr>
+        <p:cNvPr id="1" name=""/>
+        <p:cNvGrpSpPr/>
+        <p:nvPr/>
+      </p:nvGrpSpPr>
+      <p:grpSpPr>
+        <a:xfrm>
+          <a:off x="0" y="0"/>
+          <a:ext cx="0" cy="0"/>
+          <a:chOff x="0" y="0"/>
+          <a:chExt cx="0" cy="0"/>
+        </a:xfrm>
+      </p:grpSpPr>
+      <p:sp>
+        <p:nvSpPr>
+          <p:cNvPr id="2" name="标题 1"/>
+          <p:cNvSpPr>
+            <a:spLocks noGrp="1"/>
+          </p:cNvSpPr>
+          <p:nvPr>
+            <p:ph type="title"/>
+          </p:nvPr>
+        </p:nvSpPr>
+        <p:spPr>
+          <a:xfrm>
+            <a:off x="884039" y="385072"/>
+            <a:ext cx="11090672" cy="659485"/>
+          </a:xfrm>
+        </p:spPr>
+        <p:txBody>
+          <a:bodyPr>
+            <a:normAutofit fontScale="90000"/>
+          </a:bodyPr>
+          <a:lstStyle/>
+          <a:p>
+            <a:r>
+              <a:rPr lang="en-US" altLang="zh-CN" dirty="0" smtClean="0"/>
+              <a:t> </a:t>
+            </a:r>
+            <a:r>
+              <a:rPr lang="zh-CN" altLang="en-US" dirty="0" smtClean="0"/>
+              <a:t>进程</a:t>
+            </a:r>
+            <a:r>
+              <a:rPr lang="en-US" altLang="zh-CN" dirty="0" smtClean="0"/>
+              <a:t> </a:t>
+            </a:r>
+            <a:r>
+              <a:rPr lang="en-US" altLang="zh-CN" dirty="0" err="1" smtClean="0"/>
+              <a:t>vs</a:t>
+            </a:r>
+            <a:r>
+              <a:rPr lang="zh-CN" altLang="en-US" dirty="0" smtClean="0"/>
+              <a:t>线程 </a:t>
+            </a:r>
+            <a:r>
+              <a:rPr lang="en-US" altLang="zh-CN" dirty="0" smtClean="0"/>
+              <a:t>---</a:t>
+            </a:r>
+            <a:r>
+              <a:rPr lang="zh-CN" altLang="en-US" dirty="0" smtClean="0"/>
+              <a:t>区别 使用场景</a:t>
+            </a:r>
+            <a:endParaRPr lang="zh-CN" altLang="en-US" dirty="0"/>
+          </a:p>
+        </p:txBody>
+      </p:sp>
+      <p:sp>
+        <p:nvSpPr>
+          <p:cNvPr id="3" name="矩形 2"/>
+          <p:cNvSpPr/>
           <p:nvPr/>
-        </p:nvPicPr>
-        <p:blipFill>
-          <a:blip r:embed="rId3"/>
-          <a:srcRect/>
-          <a:stretch>
-            <a:fillRect/>
-          </a:stretch>
-        </p:blipFill>
-        <p:spPr bwMode="auto">
+        </p:nvSpPr>
+        <p:spPr>
           <a:xfrm>
-            <a:off x="6000747" y="1616061"/>
-            <a:ext cx="4495800" cy="1724025"/>
+            <a:off x="642897" y="1258871"/>
+            <a:ext cx="12001584" cy="6063198"/>
           </a:xfrm>
           <a:prstGeom prst="rect">
             <a:avLst/>
           </a:prstGeom>
-          <a:noFill/>
-          <a:ln w="9525">
-            <a:noFill/>
-            <a:miter lim="800000"/>
-            <a:headEnd/>
-            <a:tailEnd/>
-          </a:ln>
-          <a:effectLst/>
         </p:spPr>
-      </p:pic>
+        <p:txBody>
+          <a:bodyPr wrap="square">
+            <a:spAutoFit/>
+          </a:bodyPr>
+          <a:lstStyle/>
+          <a:p>
+            <a:r>
+              <a:rPr lang="zh-CN" altLang="en-US" sz="2000" dirty="0" smtClean="0"/>
+              <a:t>隔离</a:t>
+            </a:r>
+            <a:endParaRPr lang="en-US" altLang="zh-CN" sz="2000" dirty="0" smtClean="0"/>
+          </a:p>
+          <a:p>
+            <a:endParaRPr lang="en-US" altLang="zh-CN" sz="2000" dirty="0" smtClean="0"/>
+          </a:p>
+          <a:p>
+            <a:endParaRPr lang="en-US" altLang="zh-CN" sz="2000" dirty="0" smtClean="0"/>
+          </a:p>
+          <a:p>
+            <a:endParaRPr lang="en-US" altLang="zh-CN" sz="2000" dirty="0" smtClean="0"/>
+          </a:p>
+          <a:p>
+            <a:endParaRPr lang="en-US" altLang="zh-CN" sz="2000" dirty="0" smtClean="0"/>
+          </a:p>
+          <a:p>
+            <a:endParaRPr lang="en-US" altLang="zh-CN" dirty="0" smtClean="0"/>
+          </a:p>
+          <a:p>
+            <a:endParaRPr lang="en-US" altLang="zh-CN" dirty="0" smtClean="0"/>
+          </a:p>
+          <a:p>
+            <a:endParaRPr lang="en-US" altLang="zh-CN" dirty="0" smtClean="0"/>
+          </a:p>
+          <a:p>
+            <a:endParaRPr lang="en-US" altLang="zh-CN" dirty="0" smtClean="0"/>
+          </a:p>
+          <a:p>
+            <a:endParaRPr lang="en-US" altLang="zh-CN" dirty="0" smtClean="0"/>
+          </a:p>
+          <a:p>
+            <a:endParaRPr lang="en-US" altLang="zh-CN" dirty="0" smtClean="0"/>
+          </a:p>
+          <a:p>
+            <a:endParaRPr lang="en-US" altLang="zh-CN" dirty="0" smtClean="0"/>
+          </a:p>
+          <a:p>
+            <a:endParaRPr lang="en-US" altLang="zh-CN" dirty="0" smtClean="0"/>
+          </a:p>
+          <a:p>
+            <a:endParaRPr lang="en-US" altLang="zh-CN" dirty="0" smtClean="0"/>
+          </a:p>
+          <a:p>
+            <a:endParaRPr lang="en-US" altLang="zh-CN" dirty="0" smtClean="0"/>
+          </a:p>
+          <a:p>
+            <a:endParaRPr lang="en-US" altLang="zh-CN" dirty="0" smtClean="0"/>
+          </a:p>
+          <a:p>
+            <a:endParaRPr lang="en-US" altLang="zh-CN" dirty="0" smtClean="0"/>
+          </a:p>
+          <a:p>
+            <a:endParaRPr lang="en-US" altLang="zh-CN" dirty="0" smtClean="0"/>
+          </a:p>
+          <a:p>
+            <a:endParaRPr lang="en-US" altLang="zh-CN" dirty="0" smtClean="0"/>
+          </a:p>
+          <a:p>
+            <a:endParaRPr lang="en-US" altLang="zh-CN" dirty="0" smtClean="0"/>
+          </a:p>
+          <a:p>
+            <a:endParaRPr lang="zh-CN" altLang="en-US" dirty="0"/>
+          </a:p>
+        </p:txBody>
+      </p:sp>
     </p:spTree>
   </p:cSld>
   <p:clrMapOvr>
@@ -4766,14 +5486,14 @@
           </a:ln>
           <a:extLst>
             <a:ext uri="{909E8E84-426E-40DD-AFC4-6F175D3DCCD1}">
-              <a14:hiddenFill xmlns="" xmlns:a14="http://schemas.microsoft.com/office/drawing/2010/main">
+              <a14:hiddenFill xmlns:a14="http://schemas.microsoft.com/office/drawing/2010/main" xmlns="">
                 <a:solidFill>
                   <a:srgbClr val="FFFFFF"/>
                 </a:solidFill>
               </a14:hiddenFill>
             </a:ext>
             <a:ext uri="{91240B29-F687-4F45-9708-019B960494DF}">
-              <a14:hiddenLine xmlns="" xmlns:a14="http://schemas.microsoft.com/office/drawing/2010/main" w="9525">
+              <a14:hiddenLine xmlns:a14="http://schemas.microsoft.com/office/drawing/2010/main" xmlns="" w="9525">
                 <a:solidFill>
                   <a:srgbClr val="000000"/>
                 </a:solidFill>
@@ -4990,14 +5710,14 @@
           </a:ln>
           <a:extLst>
             <a:ext uri="{909E8E84-426E-40DD-AFC4-6F175D3DCCD1}">
-              <a14:hiddenFill xmlns="" xmlns:a14="http://schemas.microsoft.com/office/drawing/2010/main">
+              <a14:hiddenFill xmlns:a14="http://schemas.microsoft.com/office/drawing/2010/main" xmlns="">
                 <a:solidFill>
                   <a:srgbClr val="FFFFFF"/>
                 </a:solidFill>
               </a14:hiddenFill>
             </a:ext>
             <a:ext uri="{91240B29-F687-4F45-9708-019B960494DF}">
-              <a14:hiddenLine xmlns="" xmlns:a14="http://schemas.microsoft.com/office/drawing/2010/main" w="9525">
+              <a14:hiddenLine xmlns:a14="http://schemas.microsoft.com/office/drawing/2010/main" xmlns="" w="9525">
                 <a:solidFill>
                   <a:srgbClr val="000000"/>
                 </a:solidFill>
@@ -5202,7 +5922,7 @@
           </a:ln>
           <a:extLst>
             <a:ext uri="{909E8E84-426E-40DD-AFC4-6F175D3DCCD1}">
-              <a14:hiddenFill xmlns="" xmlns:a14="http://schemas.microsoft.com/office/drawing/2010/main">
+              <a14:hiddenFill xmlns:a14="http://schemas.microsoft.com/office/drawing/2010/main" xmlns="">
                 <a:solidFill>
                   <a:srgbClr val="FFFFFF"/>
                 </a:solidFill>
@@ -5428,7 +6148,7 @@
           </a:ln>
           <a:extLst>
             <a:ext uri="{909E8E84-426E-40DD-AFC4-6F175D3DCCD1}">
-              <a14:hiddenFill xmlns="" xmlns:a14="http://schemas.microsoft.com/office/drawing/2010/main">
+              <a14:hiddenFill xmlns:a14="http://schemas.microsoft.com/office/drawing/2010/main" xmlns="">
                 <a:solidFill>
                   <a:srgbClr val="FFFFFF"/>
                 </a:solidFill>
@@ -5617,7 +6337,7 @@
     <a:masterClrMapping/>
   </p:clrMapOvr>
   <mc:AlternateContent xmlns:mc="http://schemas.openxmlformats.org/markup-compatibility/2006">
-    <mc:Choice xmlns:p15="http://schemas.microsoft.com/office/powerpoint/2012/main" xmlns="" Requires="p15">
+    <mc:Choice xmlns="" xmlns:p15="http://schemas.microsoft.com/office/powerpoint/2012/main" Requires="p15">
       <p:transition xmlns:p14="http://schemas.microsoft.com/office/powerpoint/2010/main" spd="slow" Requires="p14" p14:dur="2000" advTm="0">
         <p15:prstTrans prst="crush"/>
       </p:transition>
@@ -7221,7 +7941,7 @@
     <a:masterClrMapping/>
   </p:clrMapOvr>
   <mc:AlternateContent xmlns:mc="http://schemas.openxmlformats.org/markup-compatibility/2006">
-    <mc:Choice xmlns="" xmlns:p14="http://schemas.microsoft.com/office/powerpoint/2010/main" Requires="p14">
+    <mc:Choice xmlns:p14="http://schemas.microsoft.com/office/powerpoint/2010/main" xmlns="" Requires="p14">
       <p:transition spd="slow" p14:dur="1250" advTm="3000">
         <p14:flip dir="r"/>
       </p:transition>
@@ -7469,7 +8189,7 @@
           <a:blip r:embed="rId2">
             <a:extLst>
               <a:ext uri="{28A0092B-C50C-407E-A947-70E740481C1C}">
-                <a14:useLocalDpi xmlns="" xmlns:a14="http://schemas.microsoft.com/office/drawing/2010/main" val="0"/>
+                <a14:useLocalDpi xmlns:a14="http://schemas.microsoft.com/office/drawing/2010/main" xmlns="" val="0"/>
               </a:ext>
             </a:extLst>
           </a:blip>
@@ -7492,14 +8212,14 @@
           </a:ln>
           <a:extLst>
             <a:ext uri="{909E8E84-426E-40DD-AFC4-6F175D3DCCD1}">
-              <a14:hiddenFill xmlns="" xmlns:a14="http://schemas.microsoft.com/office/drawing/2010/main">
+              <a14:hiddenFill xmlns:a14="http://schemas.microsoft.com/office/drawing/2010/main" xmlns="">
                 <a:solidFill>
                   <a:schemeClr val="accent1"/>
                 </a:solidFill>
               </a14:hiddenFill>
             </a:ext>
             <a:ext uri="{91240B29-F687-4F45-9708-019B960494DF}">
-              <a14:hiddenLine xmlns="" xmlns:a14="http://schemas.microsoft.com/office/drawing/2010/main" w="9525">
+              <a14:hiddenLine xmlns:a14="http://schemas.microsoft.com/office/drawing/2010/main" xmlns="" w="9525">
                 <a:solidFill>
                   <a:schemeClr val="tx1"/>
                 </a:solidFill>
@@ -7514,7 +8234,7 @@
     </p:spTree>
     <p:extLst>
       <p:ext uri="{BB962C8B-B14F-4D97-AF65-F5344CB8AC3E}">
-        <p14:creationId xmlns="" xmlns:p14="http://schemas.microsoft.com/office/powerpoint/2010/main" val="1197493893"/>
+        <p14:creationId xmlns:p14="http://schemas.microsoft.com/office/powerpoint/2010/main" xmlns="" val="1197493893"/>
       </p:ext>
     </p:extLst>
   </p:cSld>
@@ -8555,7 +9275,7 @@
     </p:spTree>
     <p:extLst>
       <p:ext uri="{BB962C8B-B14F-4D97-AF65-F5344CB8AC3E}">
-        <p14:creationId xmlns="" xmlns:p14="http://schemas.microsoft.com/office/powerpoint/2010/main" val="3284328948"/>
+        <p14:creationId xmlns:p14="http://schemas.microsoft.com/office/powerpoint/2010/main" xmlns="" val="3284328948"/>
       </p:ext>
     </p:extLst>
   </p:cSld>
@@ -8563,7 +9283,7 @@
     <a:masterClrMapping/>
   </p:clrMapOvr>
   <mc:AlternateContent xmlns:mc="http://schemas.openxmlformats.org/markup-compatibility/2006">
-    <mc:Choice xmlns="" xmlns:p14="http://schemas.microsoft.com/office/powerpoint/2010/main" Requires="p14">
+    <mc:Choice xmlns:p14="http://schemas.microsoft.com/office/powerpoint/2010/main" xmlns="" Requires="p14">
       <p:transition spd="slow" p14:dur="1250" advTm="3000">
         <p14:flip dir="r"/>
       </p:transition>
@@ -9229,6 +9949,105 @@
           </a:p>
         </p:txBody>
       </p:sp>
+      <p:pic>
+        <p:nvPicPr>
+          <p:cNvPr id="3" name="Picture 2"/>
+          <p:cNvPicPr>
+            <a:picLocks noChangeAspect="1" noChangeArrowheads="1"/>
+          </p:cNvPicPr>
+          <p:nvPr/>
+        </p:nvPicPr>
+        <p:blipFill>
+          <a:blip r:embed="rId3"/>
+          <a:srcRect/>
+          <a:stretch>
+            <a:fillRect/>
+          </a:stretch>
+        </p:blipFill>
+        <p:spPr bwMode="auto">
+          <a:xfrm>
+            <a:off x="571459" y="1687499"/>
+            <a:ext cx="4943475" cy="3600450"/>
+          </a:xfrm>
+          <a:prstGeom prst="rect">
+            <a:avLst/>
+          </a:prstGeom>
+          <a:noFill/>
+          <a:ln w="9525">
+            <a:noFill/>
+            <a:miter lim="800000"/>
+            <a:headEnd/>
+            <a:tailEnd/>
+          </a:ln>
+          <a:effectLst/>
+        </p:spPr>
+      </p:pic>
+      <p:pic>
+        <p:nvPicPr>
+          <p:cNvPr id="2050" name="Picture 2"/>
+          <p:cNvPicPr>
+            <a:picLocks noChangeAspect="1" noChangeArrowheads="1"/>
+          </p:cNvPicPr>
+          <p:nvPr/>
+        </p:nvPicPr>
+        <p:blipFill>
+          <a:blip r:embed="rId4"/>
+          <a:srcRect/>
+          <a:stretch>
+            <a:fillRect/>
+          </a:stretch>
+        </p:blipFill>
+        <p:spPr bwMode="auto">
+          <a:xfrm>
+            <a:off x="6000747" y="1616061"/>
+            <a:ext cx="4495800" cy="1724025"/>
+          </a:xfrm>
+          <a:prstGeom prst="rect">
+            <a:avLst/>
+          </a:prstGeom>
+          <a:noFill/>
+          <a:ln w="9525">
+            <a:noFill/>
+            <a:miter lim="800000"/>
+            <a:headEnd/>
+            <a:tailEnd/>
+          </a:ln>
+          <a:effectLst/>
+        </p:spPr>
+      </p:pic>
+      <p:pic>
+        <p:nvPicPr>
+          <p:cNvPr id="1026" name="Picture 2"/>
+          <p:cNvPicPr>
+            <a:picLocks noChangeAspect="1" noChangeArrowheads="1"/>
+          </p:cNvPicPr>
+          <p:nvPr/>
+        </p:nvPicPr>
+        <p:blipFill>
+          <a:blip r:embed="rId5"/>
+          <a:srcRect/>
+          <a:stretch>
+            <a:fillRect/>
+          </a:stretch>
+        </p:blipFill>
+        <p:spPr bwMode="auto">
+          <a:xfrm>
+            <a:off x="6143623" y="1830375"/>
+            <a:ext cx="5300646" cy="4450169"/>
+          </a:xfrm>
+          <a:prstGeom prst="rect">
+            <a:avLst/>
+          </a:prstGeom>
+          <a:noFill/>
+          <a:ln w="9525">
+            <a:noFill/>
+            <a:miter lim="800000"/>
+            <a:headEnd/>
+            <a:tailEnd/>
+          </a:ln>
+          <a:effectLst/>
+        </p:spPr>
+      </p:pic>
     </p:spTree>
   </p:cSld>
   <p:clrMapOvr>
@@ -9565,7 +10384,7 @@
   <a:extraClrSchemeLst/>
   <a:extLst>
     <a:ext uri="{05A4C25C-085E-4340-85A3-A5531E510DB2}">
-      <thm15:themeFamily xmlns:thm15="http://schemas.microsoft.com/office/thememl/2012/main" xmlns="" name="Office Theme" id="{62F939B6-93AF-4DB8-9C6B-D6C7DFDC589F}" vid="{4A3C46E8-61CC-4603-A589-7422A47A8E4A}"/>
+      <thm15:themeFamily xmlns="" xmlns:thm15="http://schemas.microsoft.com/office/thememl/2012/main" name="Office Theme" id="{62F939B6-93AF-4DB8-9C6B-D6C7DFDC589F}" vid="{4A3C46E8-61CC-4603-A589-7422A47A8E4A}"/>
     </a:ext>
   </a:extLst>
 </a:theme>
@@ -9855,7 +10674,7 @@
   <a:extraClrSchemeLst/>
   <a:extLst>
     <a:ext uri="{05A4C25C-085E-4340-85A3-A5531E510DB2}">
-      <thm15:themeFamily xmlns:thm15="http://schemas.microsoft.com/office/thememl/2012/main" xmlns="" name="Office Theme" id="{62F939B6-93AF-4DB8-9C6B-D6C7DFDC589F}" vid="{4A3C46E8-61CC-4603-A589-7422A47A8E4A}"/>
+      <thm15:themeFamily xmlns="" xmlns:thm15="http://schemas.microsoft.com/office/thememl/2012/main" name="Office Theme" id="{62F939B6-93AF-4DB8-9C6B-D6C7DFDC589F}" vid="{4A3C46E8-61CC-4603-A589-7422A47A8E4A}"/>
     </a:ext>
   </a:extLst>
 </a:theme>
@@ -10116,7 +10935,7 @@
   <a:extraClrSchemeLst/>
   <a:extLst>
     <a:ext uri="{05A4C25C-085E-4340-85A3-A5531E510DB2}">
-      <thm15:themeFamily xmlns:thm15="http://schemas.microsoft.com/office/thememl/2012/main" xmlns="" name="Office Theme" id="{62F939B6-93AF-4DB8-9C6B-D6C7DFDC589F}" vid="{4A3C46E8-61CC-4603-A589-7422A47A8E4A}"/>
+      <thm15:themeFamily xmlns="" xmlns:thm15="http://schemas.microsoft.com/office/thememl/2012/main" name="Office Theme" id="{62F939B6-93AF-4DB8-9C6B-D6C7DFDC589F}" vid="{4A3C46E8-61CC-4603-A589-7422A47A8E4A}"/>
     </a:ext>
   </a:extLst>
 </a:theme>
